--- a/程式實作.pptx
+++ b/程式實作.pptx
@@ -5,7 +5,7 @@
     <p:sldMasterId id="2147483648" r:id="rId1"/>
   </p:sldMasterIdLst>
   <p:notesMasterIdLst>
-    <p:notesMasterId r:id="rId13"/>
+    <p:notesMasterId r:id="rId16"/>
   </p:notesMasterIdLst>
   <p:sldIdLst>
     <p:sldId id="258" r:id="rId2"/>
@@ -18,12 +18,15 @@
     <p:sldId id="277" r:id="rId9"/>
     <p:sldId id="296" r:id="rId10"/>
     <p:sldId id="286" r:id="rId11"/>
-    <p:sldId id="291" r:id="rId12"/>
+    <p:sldId id="297" r:id="rId12"/>
+    <p:sldId id="298" r:id="rId13"/>
+    <p:sldId id="299" r:id="rId14"/>
+    <p:sldId id="291" r:id="rId15"/>
   </p:sldIdLst>
   <p:sldSz cx="12192000" cy="6858000"/>
   <p:notesSz cx="6858000" cy="9144000"/>
   <p:custDataLst>
-    <p:tags r:id="rId14"/>
+    <p:tags r:id="rId17"/>
   </p:custDataLst>
   <p:defaultTextStyle>
     <a:defPPr>
@@ -213,7 +216,7 @@
           <a:p>
             <a:fld id="{11577D22-AD28-43FC-8EB4-B134A7D334C3}" type="datetimeFigureOut">
               <a:rPr lang="zh-CN" altLang="en-US" smtClean="0"/>
-              <a:t>2021/4/22</a:t>
+              <a:t>2021/5/5</a:t>
             </a:fld>
             <a:endParaRPr lang="zh-CN" altLang="en-US"/>
           </a:p>
@@ -2177,8 +2180,8 @@
         </p:nvSpPr>
         <p:spPr>
           <a:xfrm>
-            <a:off x="6902911" y="3825172"/>
-            <a:ext cx="3934100" cy="461665"/>
+            <a:off x="7850753" y="3825172"/>
+            <a:ext cx="2631853" cy="461665"/>
           </a:xfrm>
           <a:prstGeom prst="rect">
             <a:avLst/>
@@ -2192,18 +2195,11 @@
           <a:lstStyle/>
           <a:p>
             <a:r>
-              <a:rPr lang="en-US" altLang="zh-TW" sz="2400" b="1" dirty="0">
-                <a:latin typeface="微軟正黑體" panose="020B0604030504040204" pitchFamily="34" charset="-120"/>
-                <a:ea typeface="微軟正黑體" panose="020B0604030504040204" pitchFamily="34" charset="-120"/>
-              </a:rPr>
-              <a:t>API</a:t>
-            </a:r>
-            <a:r>
               <a:rPr lang="zh-TW" altLang="en-US" sz="2400" b="1" dirty="0">
                 <a:latin typeface="微軟正黑體" panose="020B0604030504040204" pitchFamily="34" charset="-120"/>
                 <a:ea typeface="微軟正黑體" panose="020B0604030504040204" pitchFamily="34" charset="-120"/>
               </a:rPr>
-              <a:t>回傳的資料不包含電話</a:t>
+              <a:t>資料庫遭駭客刪除</a:t>
             </a:r>
           </a:p>
         </p:txBody>
@@ -2223,7 +2219,7 @@
         <p:spPr>
           <a:xfrm>
             <a:off x="6763690" y="4463391"/>
-            <a:ext cx="4735301" cy="1323439"/>
+            <a:ext cx="4735301" cy="1569660"/>
           </a:xfrm>
           <a:prstGeom prst="rect">
             <a:avLst/>
@@ -2236,12 +2232,16 @@
           </a:bodyPr>
           <a:lstStyle/>
           <a:p>
+            <a:pPr marL="285750" indent="-285750">
+              <a:buFont typeface="Arial" panose="020B0604020202020204" pitchFamily="34" charset="0"/>
+              <a:buChar char="•"/>
+            </a:pPr>
             <a:r>
               <a:rPr lang="zh-TW" altLang="en-US" sz="1600" dirty="0">
                 <a:latin typeface="微軟正黑體" panose="020B0604030504040204" pitchFamily="34" charset="-120"/>
                 <a:ea typeface="微軟正黑體" panose="020B0604030504040204" pitchFamily="34" charset="-120"/>
               </a:rPr>
-              <a:t>目前只能透過</a:t>
+              <a:t>在開發</a:t>
             </a:r>
             <a:r>
               <a:rPr lang="en-US" altLang="zh-TW" sz="1600" dirty="0">
@@ -2255,78 +2255,104 @@
                 <a:latin typeface="微軟正黑體" panose="020B0604030504040204" pitchFamily="34" charset="-120"/>
                 <a:ea typeface="微軟正黑體" panose="020B0604030504040204" pitchFamily="34" charset="-120"/>
               </a:rPr>
-              <a:t>回傳的</a:t>
+              <a:t>時，我無意間打開</a:t>
             </a:r>
             <a:r>
               <a:rPr lang="en-US" altLang="zh-TW" sz="1600" dirty="0">
                 <a:latin typeface="微軟正黑體" panose="020B0604030504040204" pitchFamily="34" charset="-120"/>
                 <a:ea typeface="微軟正黑體" panose="020B0604030504040204" pitchFamily="34" charset="-120"/>
               </a:rPr>
-              <a:t>id</a:t>
+              <a:t>GCP</a:t>
             </a:r>
             <a:r>
               <a:rPr lang="zh-TW" altLang="en-US" sz="1600" dirty="0">
                 <a:latin typeface="微軟正黑體" panose="020B0604030504040204" pitchFamily="34" charset="-120"/>
                 <a:ea typeface="微軟正黑體" panose="020B0604030504040204" pitchFamily="34" charset="-120"/>
               </a:rPr>
-              <a:t>得到租屋物件網址，再用迴圈</a:t>
+              <a:t>的所有</a:t>
             </a:r>
             <a:r>
               <a:rPr lang="en-US" altLang="zh-TW" sz="1600" dirty="0">
                 <a:latin typeface="微軟正黑體" panose="020B0604030504040204" pitchFamily="34" charset="-120"/>
                 <a:ea typeface="微軟正黑體" panose="020B0604030504040204" pitchFamily="34" charset="-120"/>
               </a:rPr>
-              <a:t>Requests</a:t>
-            </a:r>
+              <a:t>port</a:t>
+            </a:r>
+          </a:p>
+          <a:p>
+            <a:pPr marL="285750" indent="-285750">
+              <a:buFont typeface="Arial" panose="020B0604020202020204" pitchFamily="34" charset="0"/>
+              <a:buChar char="•"/>
+            </a:pPr>
+            <a:endParaRPr lang="en-US" altLang="zh-TW" sz="1600" dirty="0">
+              <a:latin typeface="微軟正黑體" panose="020B0604030504040204" pitchFamily="34" charset="-120"/>
+              <a:ea typeface="微軟正黑體" panose="020B0604030504040204" pitchFamily="34" charset="-120"/>
+            </a:endParaRPr>
+          </a:p>
+          <a:p>
+            <a:pPr marL="285750" indent="-285750">
+              <a:buFont typeface="Arial" panose="020B0604020202020204" pitchFamily="34" charset="0"/>
+              <a:buChar char="•"/>
+            </a:pPr>
             <a:r>
               <a:rPr lang="zh-TW" altLang="en-US" sz="1600" dirty="0">
                 <a:latin typeface="微軟正黑體" panose="020B0604030504040204" pitchFamily="34" charset="-120"/>
                 <a:ea typeface="微軟正黑體" panose="020B0604030504040204" pitchFamily="34" charset="-120"/>
               </a:rPr>
-              <a:t>每個網址，後續用</a:t>
-            </a:r>
-            <a:r>
-              <a:rPr lang="en-US" altLang="zh-TW" sz="1600" dirty="0" err="1">
-                <a:latin typeface="微軟正黑體" panose="020B0604030504040204" pitchFamily="34" charset="-120"/>
-                <a:ea typeface="微軟正黑體" panose="020B0604030504040204" pitchFamily="34" charset="-120"/>
-              </a:rPr>
-              <a:t>BeautifulSoup</a:t>
-            </a:r>
+              <a:t>最後測試時發現資料庫沒有資料，只剩一份駭客留下的勒索文件</a:t>
+            </a:r>
+            <a:endParaRPr lang="en-US" altLang="zh-TW" sz="1600" dirty="0">
+              <a:latin typeface="微軟正黑體" panose="020B0604030504040204" pitchFamily="34" charset="-120"/>
+              <a:ea typeface="微軟正黑體" panose="020B0604030504040204" pitchFamily="34" charset="-120"/>
+            </a:endParaRPr>
+          </a:p>
+          <a:p>
+            <a:pPr marL="285750" indent="-285750">
+              <a:buFont typeface="Arial" panose="020B0604020202020204" pitchFamily="34" charset="0"/>
+              <a:buChar char="•"/>
+            </a:pPr>
+            <a:endParaRPr lang="en-US" altLang="zh-TW" sz="1600" dirty="0">
+              <a:latin typeface="微軟正黑體" panose="020B0604030504040204" pitchFamily="34" charset="-120"/>
+              <a:ea typeface="微軟正黑體" panose="020B0604030504040204" pitchFamily="34" charset="-120"/>
+            </a:endParaRPr>
+          </a:p>
+          <a:p>
+            <a:pPr marL="285750" indent="-285750">
+              <a:buFont typeface="Arial" panose="020B0604020202020204" pitchFamily="34" charset="0"/>
+              <a:buChar char="•"/>
+            </a:pPr>
             <a:r>
               <a:rPr lang="zh-TW" altLang="en-US" sz="1600" dirty="0">
                 <a:latin typeface="微軟正黑體" panose="020B0604030504040204" pitchFamily="34" charset="-120"/>
                 <a:ea typeface="微軟正黑體" panose="020B0604030504040204" pitchFamily="34" charset="-120"/>
               </a:rPr>
-              <a:t>找到電話欄位的值，但這個方式讓原本約</a:t>
+              <a:t>只開放</a:t>
             </a:r>
             <a:r>
               <a:rPr lang="en-US" altLang="zh-TW" sz="1600" dirty="0">
                 <a:latin typeface="微軟正黑體" panose="020B0604030504040204" pitchFamily="34" charset="-120"/>
                 <a:ea typeface="微軟正黑體" panose="020B0604030504040204" pitchFamily="34" charset="-120"/>
               </a:rPr>
-              <a:t>15-30</a:t>
+              <a:t>Flask</a:t>
             </a:r>
             <a:r>
               <a:rPr lang="zh-TW" altLang="en-US" sz="1600" dirty="0">
                 <a:latin typeface="微軟正黑體" panose="020B0604030504040204" pitchFamily="34" charset="-120"/>
                 <a:ea typeface="微軟正黑體" panose="020B0604030504040204" pitchFamily="34" charset="-120"/>
               </a:rPr>
-              <a:t>分鐘就能爬完的資料增加到了</a:t>
+              <a:t>運行的</a:t>
             </a:r>
             <a:r>
               <a:rPr lang="en-US" altLang="zh-TW" sz="1600" dirty="0">
                 <a:latin typeface="微軟正黑體" panose="020B0604030504040204" pitchFamily="34" charset="-120"/>
                 <a:ea typeface="微軟正黑體" panose="020B0604030504040204" pitchFamily="34" charset="-120"/>
               </a:rPr>
-              <a:t>3-4</a:t>
-            </a:r>
-            <a:r>
-              <a:rPr lang="zh-TW" altLang="en-US" sz="1600" dirty="0">
-                <a:latin typeface="微軟正黑體" panose="020B0604030504040204" pitchFamily="34" charset="-120"/>
-                <a:ea typeface="微軟正黑體" panose="020B0604030504040204" pitchFamily="34" charset="-120"/>
-              </a:rPr>
-              <a:t>小時，目前並無其他解決方法</a:t>
-            </a:r>
+              <a:t>port</a:t>
+            </a:r>
+            <a:endParaRPr lang="zh-TW" altLang="en-US" sz="1600" dirty="0">
+              <a:latin typeface="微軟正黑體" panose="020B0604030504040204" pitchFamily="34" charset="-120"/>
+              <a:ea typeface="微軟正黑體" panose="020B0604030504040204" pitchFamily="34" charset="-120"/>
+            </a:endParaRPr>
           </a:p>
         </p:txBody>
       </p:sp>
@@ -2386,8 +2412,8 @@
         </p:nvSpPr>
         <p:spPr>
           <a:xfrm>
-            <a:off x="510909" y="1755876"/>
-            <a:ext cx="4393400" cy="1569660"/>
+            <a:off x="693009" y="1848162"/>
+            <a:ext cx="3932632" cy="830997"/>
           </a:xfrm>
           <a:prstGeom prst="rect">
             <a:avLst/>
@@ -2400,200 +2426,86 @@
           </a:bodyPr>
           <a:lstStyle/>
           <a:p>
+            <a:pPr marL="285750" indent="-285750">
+              <a:buFont typeface="Arial" panose="020B0604020202020204" pitchFamily="34" charset="0"/>
+              <a:buChar char="•"/>
+            </a:pPr>
+            <a:r>
+              <a:rPr lang="en-US" altLang="zh-TW" sz="1600" dirty="0">
+                <a:latin typeface="微軟正黑體" panose="020B0604030504040204" pitchFamily="34" charset="-120"/>
+                <a:ea typeface="微軟正黑體" panose="020B0604030504040204" pitchFamily="34" charset="-120"/>
+              </a:rPr>
+              <a:t>Header</a:t>
+            </a:r>
             <a:r>
               <a:rPr lang="zh-TW" altLang="en-US" sz="1600" dirty="0">
                 <a:latin typeface="微軟正黑體" panose="020B0604030504040204" pitchFamily="34" charset="-120"/>
                 <a:ea typeface="微軟正黑體" panose="020B0604030504040204" pitchFamily="34" charset="-120"/>
               </a:rPr>
-              <a:t>若直接</a:t>
+              <a:t>內需包含</a:t>
             </a:r>
             <a:r>
               <a:rPr lang="en-US" altLang="zh-TW" sz="1600" dirty="0">
                 <a:latin typeface="微軟正黑體" panose="020B0604030504040204" pitchFamily="34" charset="-120"/>
                 <a:ea typeface="微軟正黑體" panose="020B0604030504040204" pitchFamily="34" charset="-120"/>
               </a:rPr>
-              <a:t>Request591</a:t>
-            </a:r>
-            <a:r>
-              <a:rPr lang="zh-TW" altLang="en-US" sz="1600" dirty="0">
-                <a:latin typeface="微軟正黑體" panose="020B0604030504040204" pitchFamily="34" charset="-120"/>
-                <a:ea typeface="微軟正黑體" panose="020B0604030504040204" pitchFamily="34" charset="-120"/>
-              </a:rPr>
-              <a:t>的</a:t>
-            </a:r>
-            <a:r>
-              <a:rPr lang="en-US" altLang="zh-TW" sz="1600" dirty="0">
-                <a:latin typeface="微軟正黑體" panose="020B0604030504040204" pitchFamily="34" charset="-120"/>
-                <a:ea typeface="微軟正黑體" panose="020B0604030504040204" pitchFamily="34" charset="-120"/>
-              </a:rPr>
-              <a:t>API</a:t>
-            </a:r>
-            <a:r>
-              <a:rPr lang="zh-TW" altLang="en-US" sz="1600" dirty="0">
-                <a:latin typeface="微軟正黑體" panose="020B0604030504040204" pitchFamily="34" charset="-120"/>
-                <a:ea typeface="微軟正黑體" panose="020B0604030504040204" pitchFamily="34" charset="-120"/>
-              </a:rPr>
-              <a:t>會出現錯誤，經上網查詢後發現是</a:t>
-            </a:r>
-            <a:r>
-              <a:rPr lang="en-US" altLang="zh-TW" sz="1600" dirty="0">
-                <a:latin typeface="微軟正黑體" panose="020B0604030504040204" pitchFamily="34" charset="-120"/>
-                <a:ea typeface="微軟正黑體" panose="020B0604030504040204" pitchFamily="34" charset="-120"/>
-              </a:rPr>
-              <a:t>Header</a:t>
-            </a:r>
-            <a:r>
-              <a:rPr lang="zh-TW" altLang="en-US" sz="1600" dirty="0">
-                <a:latin typeface="微軟正黑體" panose="020B0604030504040204" pitchFamily="34" charset="-120"/>
-                <a:ea typeface="微軟正黑體" panose="020B0604030504040204" pitchFamily="34" charset="-120"/>
-              </a:rPr>
-              <a:t>裡沒有</a:t>
-            </a:r>
-            <a:r>
-              <a:rPr lang="en-US" altLang="zh-TW" sz="1600" dirty="0">
-                <a:latin typeface="微軟正黑體" panose="020B0604030504040204" pitchFamily="34" charset="-120"/>
-                <a:ea typeface="微軟正黑體" panose="020B0604030504040204" pitchFamily="34" charset="-120"/>
-              </a:rPr>
               <a:t>CSRF-TOKEN</a:t>
             </a:r>
-            <a:r>
-              <a:rPr lang="zh-TW" altLang="en-US" sz="1600" dirty="0">
-                <a:latin typeface="微軟正黑體" panose="020B0604030504040204" pitchFamily="34" charset="-120"/>
-                <a:ea typeface="微軟正黑體" panose="020B0604030504040204" pitchFamily="34" charset="-120"/>
-              </a:rPr>
-              <a:t>。</a:t>
-            </a:r>
+          </a:p>
+          <a:p>
+            <a:pPr marL="285750" indent="-285750">
+              <a:buFont typeface="Arial" panose="020B0604020202020204" pitchFamily="34" charset="0"/>
+              <a:buChar char="•"/>
+            </a:pPr>
             <a:endParaRPr lang="en-US" altLang="zh-TW" sz="1600" dirty="0">
               <a:latin typeface="微軟正黑體" panose="020B0604030504040204" pitchFamily="34" charset="-120"/>
               <a:ea typeface="微軟正黑體" panose="020B0604030504040204" pitchFamily="34" charset="-120"/>
             </a:endParaRPr>
           </a:p>
           <a:p>
+            <a:pPr marL="285750" indent="-285750">
+              <a:buFont typeface="Arial" panose="020B0604020202020204" pitchFamily="34" charset="0"/>
+              <a:buChar char="•"/>
+            </a:pPr>
+            <a:r>
+              <a:rPr lang="en-US" altLang="zh-TW" sz="1600" dirty="0" err="1">
+                <a:latin typeface="微軟正黑體" panose="020B0604030504040204" pitchFamily="34" charset="-120"/>
+                <a:ea typeface="微軟正黑體" panose="020B0604030504040204" pitchFamily="34" charset="-120"/>
+              </a:rPr>
+              <a:t>Session.get</a:t>
+            </a:r>
+            <a:r>
+              <a:rPr lang="en-US" altLang="zh-TW" sz="1600" dirty="0">
+                <a:latin typeface="微軟正黑體" panose="020B0604030504040204" pitchFamily="34" charset="-120"/>
+                <a:ea typeface="微軟正黑體" panose="020B0604030504040204" pitchFamily="34" charset="-120"/>
+              </a:rPr>
+              <a:t> 591</a:t>
+            </a:r>
+            <a:r>
+              <a:rPr lang="zh-TW" altLang="en-US" sz="1600" dirty="0">
+                <a:latin typeface="微軟正黑體" panose="020B0604030504040204" pitchFamily="34" charset="-120"/>
+                <a:ea typeface="微軟正黑體" panose="020B0604030504040204" pitchFamily="34" charset="-120"/>
+              </a:rPr>
+              <a:t>首頁取得</a:t>
+            </a:r>
+            <a:r>
+              <a:rPr lang="en-US" altLang="zh-TW" sz="1600" dirty="0">
+                <a:latin typeface="微軟正黑體" panose="020B0604030504040204" pitchFamily="34" charset="-120"/>
+                <a:ea typeface="微軟正黑體" panose="020B0604030504040204" pitchFamily="34" charset="-120"/>
+              </a:rPr>
+              <a:t>CSRF</a:t>
+            </a:r>
+            <a:r>
+              <a:rPr lang="zh-TW" altLang="en-US" sz="1600" dirty="0">
+                <a:latin typeface="微軟正黑體" panose="020B0604030504040204" pitchFamily="34" charset="-120"/>
+                <a:ea typeface="微軟正黑體" panose="020B0604030504040204" pitchFamily="34" charset="-120"/>
+              </a:rPr>
+              <a:t>值</a:t>
+            </a:r>
             <a:endParaRPr lang="en-US" altLang="zh-TW" sz="1600" dirty="0">
               <a:latin typeface="微軟正黑體" panose="020B0604030504040204" pitchFamily="34" charset="-120"/>
               <a:ea typeface="微軟正黑體" panose="020B0604030504040204" pitchFamily="34" charset="-120"/>
             </a:endParaRPr>
-          </a:p>
-          <a:p>
-            <a:r>
-              <a:rPr lang="zh-TW" altLang="en-US" sz="1600" dirty="0">
-                <a:latin typeface="微軟正黑體" panose="020B0604030504040204" pitchFamily="34" charset="-120"/>
-                <a:ea typeface="微軟正黑體" panose="020B0604030504040204" pitchFamily="34" charset="-120"/>
-              </a:rPr>
-              <a:t>解決方法是</a:t>
-            </a:r>
-            <a:r>
-              <a:rPr lang="en-US" altLang="zh-TW" sz="1600" dirty="0">
-                <a:latin typeface="微軟正黑體" panose="020B0604030504040204" pitchFamily="34" charset="-120"/>
-                <a:ea typeface="微軟正黑體" panose="020B0604030504040204" pitchFamily="34" charset="-120"/>
-              </a:rPr>
-              <a:t>Session</a:t>
-            </a:r>
-            <a:r>
-              <a:rPr lang="zh-TW" altLang="en-US" sz="1600" dirty="0">
-                <a:latin typeface="微軟正黑體" panose="020B0604030504040204" pitchFamily="34" charset="-120"/>
-                <a:ea typeface="微軟正黑體" panose="020B0604030504040204" pitchFamily="34" charset="-120"/>
-              </a:rPr>
-              <a:t>到</a:t>
-            </a:r>
-            <a:r>
-              <a:rPr lang="en-US" altLang="zh-TW" sz="1600" dirty="0">
-                <a:latin typeface="微軟正黑體" panose="020B0604030504040204" pitchFamily="34" charset="-120"/>
-                <a:ea typeface="微軟正黑體" panose="020B0604030504040204" pitchFamily="34" charset="-120"/>
-              </a:rPr>
-              <a:t>591</a:t>
-            </a:r>
-            <a:r>
-              <a:rPr lang="zh-TW" altLang="en-US" sz="1600" dirty="0">
-                <a:latin typeface="微軟正黑體" panose="020B0604030504040204" pitchFamily="34" charset="-120"/>
-                <a:ea typeface="微軟正黑體" panose="020B0604030504040204" pitchFamily="34" charset="-120"/>
-              </a:rPr>
-              <a:t>首頁、取得</a:t>
-            </a:r>
-            <a:r>
-              <a:rPr lang="en-US" altLang="zh-TW" sz="1600" dirty="0">
-                <a:latin typeface="微軟正黑體" panose="020B0604030504040204" pitchFamily="34" charset="-120"/>
-                <a:ea typeface="微軟正黑體" panose="020B0604030504040204" pitchFamily="34" charset="-120"/>
-              </a:rPr>
-              <a:t>meta</a:t>
-            </a:r>
-            <a:r>
-              <a:rPr lang="zh-TW" altLang="en-US" sz="1600" dirty="0">
-                <a:latin typeface="微軟正黑體" panose="020B0604030504040204" pitchFamily="34" charset="-120"/>
-                <a:ea typeface="微軟正黑體" panose="020B0604030504040204" pitchFamily="34" charset="-120"/>
-              </a:rPr>
-              <a:t>欄位裡的</a:t>
-            </a:r>
-            <a:r>
-              <a:rPr lang="en-US" altLang="zh-TW" sz="1600" dirty="0">
-                <a:latin typeface="微軟正黑體" panose="020B0604030504040204" pitchFamily="34" charset="-120"/>
-                <a:ea typeface="微軟正黑體" panose="020B0604030504040204" pitchFamily="34" charset="-120"/>
-              </a:rPr>
-              <a:t>CSRF</a:t>
-            </a:r>
-            <a:r>
-              <a:rPr lang="zh-TW" altLang="en-US" sz="1600" dirty="0">
-                <a:latin typeface="微軟正黑體" panose="020B0604030504040204" pitchFamily="34" charset="-120"/>
-                <a:ea typeface="微軟正黑體" panose="020B0604030504040204" pitchFamily="34" charset="-120"/>
-              </a:rPr>
-              <a:t>值，再做第二次</a:t>
-            </a:r>
-            <a:r>
-              <a:rPr lang="en-US" altLang="zh-TW" sz="1600" dirty="0">
-                <a:latin typeface="微軟正黑體" panose="020B0604030504040204" pitchFamily="34" charset="-120"/>
-                <a:ea typeface="微軟正黑體" panose="020B0604030504040204" pitchFamily="34" charset="-120"/>
-              </a:rPr>
-              <a:t>Session</a:t>
-            </a:r>
-            <a:r>
-              <a:rPr lang="zh-TW" altLang="en-US" sz="1600" dirty="0">
-                <a:latin typeface="微軟正黑體" panose="020B0604030504040204" pitchFamily="34" charset="-120"/>
-                <a:ea typeface="微軟正黑體" panose="020B0604030504040204" pitchFamily="34" charset="-120"/>
-              </a:rPr>
-              <a:t>到</a:t>
-            </a:r>
-            <a:r>
-              <a:rPr lang="en-US" altLang="zh-TW" sz="1600" dirty="0">
-                <a:latin typeface="微軟正黑體" panose="020B0604030504040204" pitchFamily="34" charset="-120"/>
-                <a:ea typeface="微軟正黑體" panose="020B0604030504040204" pitchFamily="34" charset="-120"/>
-              </a:rPr>
-              <a:t>591API</a:t>
-            </a:r>
-            <a:r>
-              <a:rPr lang="zh-TW" altLang="en-US" sz="1600" dirty="0">
-                <a:latin typeface="微軟正黑體" panose="020B0604030504040204" pitchFamily="34" charset="-120"/>
-                <a:ea typeface="微軟正黑體" panose="020B0604030504040204" pitchFamily="34" charset="-120"/>
-              </a:rPr>
-              <a:t>，將</a:t>
-            </a:r>
-            <a:r>
-              <a:rPr lang="en-US" altLang="zh-TW" sz="1600" dirty="0">
-                <a:latin typeface="微軟正黑體" panose="020B0604030504040204" pitchFamily="34" charset="-120"/>
-                <a:ea typeface="微軟正黑體" panose="020B0604030504040204" pitchFamily="34" charset="-120"/>
-              </a:rPr>
-              <a:t>CSRF</a:t>
-            </a:r>
-            <a:r>
-              <a:rPr lang="zh-TW" altLang="en-US" sz="1600" dirty="0">
-                <a:latin typeface="微軟正黑體" panose="020B0604030504040204" pitchFamily="34" charset="-120"/>
-                <a:ea typeface="微軟正黑體" panose="020B0604030504040204" pitchFamily="34" charset="-120"/>
-              </a:rPr>
-              <a:t>放進</a:t>
-            </a:r>
-            <a:r>
-              <a:rPr lang="en-US" altLang="zh-TW" sz="1600" dirty="0">
-                <a:latin typeface="微軟正黑體" panose="020B0604030504040204" pitchFamily="34" charset="-120"/>
-                <a:ea typeface="微軟正黑體" panose="020B0604030504040204" pitchFamily="34" charset="-120"/>
-              </a:rPr>
-              <a:t>TOKEN</a:t>
-            </a:r>
-            <a:r>
-              <a:rPr lang="zh-TW" altLang="en-US" sz="1600" dirty="0">
-                <a:latin typeface="微軟正黑體" panose="020B0604030504040204" pitchFamily="34" charset="-120"/>
-                <a:ea typeface="微軟正黑體" panose="020B0604030504040204" pitchFamily="34" charset="-120"/>
-              </a:rPr>
-              <a:t>。</a:t>
-            </a:r>
           </a:p>
         </p:txBody>
       </p:sp>
@@ -2611,8 +2523,8 @@
         </p:nvSpPr>
         <p:spPr>
           <a:xfrm>
-            <a:off x="6902911" y="1170238"/>
-            <a:ext cx="4429605" cy="461665"/>
+            <a:off x="6902912" y="1170238"/>
+            <a:ext cx="3438292" cy="461665"/>
           </a:xfrm>
           <a:prstGeom prst="rect">
             <a:avLst/>
@@ -2637,19 +2549,22 @@
                 <a:latin typeface="微軟正黑體" panose="020B0604030504040204" pitchFamily="34" charset="-120"/>
                 <a:ea typeface="微軟正黑體" panose="020B0604030504040204" pitchFamily="34" charset="-120"/>
               </a:rPr>
-              <a:t>租屋的地區參數不是</a:t>
+              <a:t>租屋</a:t>
             </a:r>
             <a:r>
               <a:rPr lang="en-US" altLang="zh-TW" sz="2400" b="1" dirty="0">
                 <a:latin typeface="微軟正黑體" panose="020B0604030504040204" pitchFamily="34" charset="-120"/>
                 <a:ea typeface="微軟正黑體" panose="020B0604030504040204" pitchFamily="34" charset="-120"/>
               </a:rPr>
-              <a:t>region</a:t>
-            </a:r>
-            <a:endParaRPr lang="zh-TW" altLang="en-US" sz="2400" b="1" dirty="0">
-              <a:latin typeface="微軟正黑體" panose="020B0604030504040204" pitchFamily="34" charset="-120"/>
-              <a:ea typeface="微軟正黑體" panose="020B0604030504040204" pitchFamily="34" charset="-120"/>
-            </a:endParaRPr>
+              <a:t>API</a:t>
+            </a:r>
+            <a:r>
+              <a:rPr lang="zh-TW" altLang="en-US" sz="2400" b="1" dirty="0">
+                <a:latin typeface="微軟正黑體" panose="020B0604030504040204" pitchFamily="34" charset="-120"/>
+                <a:ea typeface="微軟正黑體" panose="020B0604030504040204" pitchFamily="34" charset="-120"/>
+              </a:rPr>
+              <a:t>的地區參數</a:t>
+            </a:r>
           </a:p>
         </p:txBody>
       </p:sp>
@@ -2681,12 +2596,16 @@
           </a:bodyPr>
           <a:lstStyle/>
           <a:p>
+            <a:pPr marL="285750" indent="-285750">
+              <a:buFont typeface="Arial" panose="020B0604020202020204" pitchFamily="34" charset="0"/>
+              <a:buChar char="•"/>
+            </a:pPr>
             <a:r>
               <a:rPr lang="zh-TW" altLang="en-US" sz="1600" dirty="0">
                 <a:latin typeface="微軟正黑體" panose="020B0604030504040204" pitchFamily="34" charset="-120"/>
                 <a:ea typeface="微軟正黑體" panose="020B0604030504040204" pitchFamily="34" charset="-120"/>
               </a:rPr>
-              <a:t>原以為可以透過設定</a:t>
+              <a:t>無法透過</a:t>
             </a:r>
             <a:r>
               <a:rPr lang="en-US" altLang="zh-TW" sz="1600" dirty="0">
@@ -2700,7 +2619,7 @@
                 <a:latin typeface="微軟正黑體" panose="020B0604030504040204" pitchFamily="34" charset="-120"/>
                 <a:ea typeface="微軟正黑體" panose="020B0604030504040204" pitchFamily="34" charset="-120"/>
               </a:rPr>
-              <a:t>參數得到台北、新北的資料，但後來發現地區參數並非</a:t>
+              <a:t>內的</a:t>
             </a:r>
             <a:r>
               <a:rPr lang="en-US" altLang="zh-TW" sz="1600" dirty="0">
@@ -2714,285 +2633,113 @@
                 <a:latin typeface="微軟正黑體" panose="020B0604030504040204" pitchFamily="34" charset="-120"/>
                 <a:ea typeface="微軟正黑體" panose="020B0604030504040204" pitchFamily="34" charset="-120"/>
               </a:rPr>
-              <a:t>，而是在第一次發</a:t>
-            </a:r>
-            <a:r>
-              <a:rPr lang="en-US" altLang="zh-TW" sz="1600" dirty="0">
-                <a:latin typeface="微軟正黑體" panose="020B0604030504040204" pitchFamily="34" charset="-120"/>
-                <a:ea typeface="微軟正黑體" panose="020B0604030504040204" pitchFamily="34" charset="-120"/>
-              </a:rPr>
-              <a:t>Session</a:t>
-            </a:r>
-            <a:r>
-              <a:rPr lang="zh-TW" altLang="en-US" sz="1600" dirty="0">
-                <a:latin typeface="微軟正黑體" panose="020B0604030504040204" pitchFamily="34" charset="-120"/>
-                <a:ea typeface="微軟正黑體" panose="020B0604030504040204" pitchFamily="34" charset="-120"/>
-              </a:rPr>
-              <a:t>時就預設了</a:t>
-            </a:r>
-            <a:r>
-              <a:rPr lang="en-US" altLang="zh-TW" sz="1600" dirty="0">
-                <a:latin typeface="微軟正黑體" panose="020B0604030504040204" pitchFamily="34" charset="-120"/>
-                <a:ea typeface="微軟正黑體" panose="020B0604030504040204" pitchFamily="34" charset="-120"/>
-              </a:rPr>
-              <a:t>Cookies</a:t>
-            </a:r>
-            <a:r>
-              <a:rPr lang="zh-TW" altLang="en-US" sz="1600" dirty="0">
-                <a:latin typeface="微軟正黑體" panose="020B0604030504040204" pitchFamily="34" charset="-120"/>
-                <a:ea typeface="微軟正黑體" panose="020B0604030504040204" pitchFamily="34" charset="-120"/>
-              </a:rPr>
-              <a:t>裡的</a:t>
-            </a:r>
-            <a:r>
-              <a:rPr lang="en-US" altLang="zh-TW" sz="1600" dirty="0" err="1">
-                <a:latin typeface="微軟正黑體" panose="020B0604030504040204" pitchFamily="34" charset="-120"/>
-                <a:ea typeface="微軟正黑體" panose="020B0604030504040204" pitchFamily="34" charset="-120"/>
-              </a:rPr>
-              <a:t>urlJumpIp</a:t>
-            </a:r>
-            <a:r>
-              <a:rPr lang="zh-TW" altLang="en-US" sz="1600" dirty="0">
-                <a:latin typeface="微軟正黑體" panose="020B0604030504040204" pitchFamily="34" charset="-120"/>
-                <a:ea typeface="微軟正黑體" panose="020B0604030504040204" pitchFamily="34" charset="-120"/>
-              </a:rPr>
-              <a:t>。</a:t>
-            </a:r>
-            <a:r>
-              <a:rPr lang="en-US" altLang="zh-TW" sz="1600" dirty="0">
-                <a:latin typeface="微軟正黑體" panose="020B0604030504040204" pitchFamily="34" charset="-120"/>
-                <a:ea typeface="微軟正黑體" panose="020B0604030504040204" pitchFamily="34" charset="-120"/>
-              </a:rPr>
-              <a:t>	</a:t>
-            </a:r>
-          </a:p>
-          <a:p>
-            <a:r>
-              <a:rPr lang="zh-TW" altLang="en-US" sz="1600" dirty="0">
-                <a:latin typeface="微軟正黑體" panose="020B0604030504040204" pitchFamily="34" charset="-120"/>
-                <a:ea typeface="微軟正黑體" panose="020B0604030504040204" pitchFamily="34" charset="-120"/>
-              </a:rPr>
-              <a:t>解決方法為第一次發</a:t>
-            </a:r>
-            <a:r>
-              <a:rPr lang="en-US" altLang="zh-TW" sz="1600" dirty="0">
-                <a:latin typeface="微軟正黑體" panose="020B0604030504040204" pitchFamily="34" charset="-120"/>
-                <a:ea typeface="微軟正黑體" panose="020B0604030504040204" pitchFamily="34" charset="-120"/>
-              </a:rPr>
-              <a:t>Session</a:t>
-            </a:r>
-            <a:r>
-              <a:rPr lang="zh-TW" altLang="en-US" sz="1600" dirty="0">
-                <a:latin typeface="微軟正黑體" panose="020B0604030504040204" pitchFamily="34" charset="-120"/>
-                <a:ea typeface="微軟正黑體" panose="020B0604030504040204" pitchFamily="34" charset="-120"/>
-              </a:rPr>
-              <a:t>時就先放入</a:t>
-            </a:r>
-            <a:r>
-              <a:rPr lang="en-US" altLang="zh-TW" sz="1600" dirty="0">
-                <a:latin typeface="微軟正黑體" panose="020B0604030504040204" pitchFamily="34" charset="-120"/>
-                <a:ea typeface="微軟正黑體" panose="020B0604030504040204" pitchFamily="34" charset="-120"/>
-              </a:rPr>
-              <a:t>Cookies</a:t>
-            </a:r>
-            <a:r>
-              <a:rPr lang="zh-TW" altLang="en-US" sz="1600" dirty="0">
-                <a:latin typeface="微軟正黑體" panose="020B0604030504040204" pitchFamily="34" charset="-120"/>
-                <a:ea typeface="微軟正黑體" panose="020B0604030504040204" pitchFamily="34" charset="-120"/>
-              </a:rPr>
-              <a:t>｛</a:t>
-            </a:r>
-            <a:r>
-              <a:rPr lang="en-US" altLang="zh-TW" sz="1600" dirty="0" err="1">
-                <a:latin typeface="微軟正黑體" panose="020B0604030504040204" pitchFamily="34" charset="-120"/>
-                <a:ea typeface="微軟正黑體" panose="020B0604030504040204" pitchFamily="34" charset="-120"/>
-              </a:rPr>
-              <a:t>urlJumpIp</a:t>
-            </a:r>
-            <a:r>
-              <a:rPr lang="zh-TW" altLang="en-US" sz="1600" dirty="0">
-                <a:latin typeface="微軟正黑體" panose="020B0604030504040204" pitchFamily="34" charset="-120"/>
-                <a:ea typeface="微軟正黑體" panose="020B0604030504040204" pitchFamily="34" charset="-120"/>
-              </a:rPr>
-              <a:t>：</a:t>
-            </a:r>
-            <a:r>
-              <a:rPr lang="en-US" altLang="zh-TW" sz="1600" dirty="0">
-                <a:latin typeface="微軟正黑體" panose="020B0604030504040204" pitchFamily="34" charset="-120"/>
-                <a:ea typeface="微軟正黑體" panose="020B0604030504040204" pitchFamily="34" charset="-120"/>
-              </a:rPr>
-              <a:t>1</a:t>
-            </a:r>
-            <a:r>
-              <a:rPr lang="zh-TW" altLang="en-US" sz="1600" dirty="0">
-                <a:latin typeface="微軟正黑體" panose="020B0604030504040204" pitchFamily="34" charset="-120"/>
-                <a:ea typeface="微軟正黑體" panose="020B0604030504040204" pitchFamily="34" charset="-120"/>
-              </a:rPr>
-              <a:t>｝，後續才能抓到兩個地區的資料。</a:t>
-            </a:r>
-          </a:p>
-        </p:txBody>
-      </p:sp>
-      <p:sp>
-        <p:nvSpPr>
-          <p:cNvPr id="172" name="文字方塊 171">
-            <a:extLst>
-              <a:ext uri="{FF2B5EF4-FFF2-40B4-BE49-F238E27FC236}">
-                <a16:creationId xmlns:a16="http://schemas.microsoft.com/office/drawing/2014/main" id="{A66CD429-D63E-4718-AEBB-6098A29EA42C}"/>
-              </a:ext>
-            </a:extLst>
-          </p:cNvPr>
-          <p:cNvSpPr txBox="1"/>
-          <p:nvPr/>
-        </p:nvSpPr>
-        <p:spPr>
-          <a:xfrm>
-            <a:off x="1616246" y="3662293"/>
-            <a:ext cx="2423909" cy="461665"/>
-          </a:xfrm>
-          <a:prstGeom prst="rect">
-            <a:avLst/>
-          </a:prstGeom>
-          <a:noFill/>
-        </p:spPr>
-        <p:txBody>
-          <a:bodyPr wrap="square">
-            <a:spAutoFit/>
-          </a:bodyPr>
-          <a:lstStyle/>
-          <a:p>
-            <a:r>
-              <a:rPr lang="en-US" altLang="zh-TW" sz="2400" b="1" dirty="0">
-                <a:latin typeface="微軟正黑體" panose="020B0604030504040204" pitchFamily="34" charset="-120"/>
-                <a:ea typeface="微軟正黑體" panose="020B0604030504040204" pitchFamily="34" charset="-120"/>
-              </a:rPr>
-              <a:t>Flask</a:t>
-            </a:r>
-            <a:r>
-              <a:rPr lang="zh-TW" altLang="en-US" sz="2400" b="1" dirty="0">
-                <a:latin typeface="微軟正黑體" panose="020B0604030504040204" pitchFamily="34" charset="-120"/>
-                <a:ea typeface="微軟正黑體" panose="020B0604030504040204" pitchFamily="34" charset="-120"/>
-              </a:rPr>
-              <a:t>、開發</a:t>
-            </a:r>
-            <a:r>
-              <a:rPr lang="en-US" altLang="zh-TW" sz="2400" b="1" dirty="0">
-                <a:latin typeface="微軟正黑體" panose="020B0604030504040204" pitchFamily="34" charset="-120"/>
-                <a:ea typeface="微軟正黑體" panose="020B0604030504040204" pitchFamily="34" charset="-120"/>
-              </a:rPr>
-              <a:t>API</a:t>
-            </a:r>
-            <a:endParaRPr lang="zh-TW" altLang="en-US" sz="2400" b="1" dirty="0">
+              <a:t>參數調整地區</a:t>
+            </a:r>
+            <a:endParaRPr lang="en-US" altLang="zh-TW" sz="1600" dirty="0">
               <a:latin typeface="微軟正黑體" panose="020B0604030504040204" pitchFamily="34" charset="-120"/>
               <a:ea typeface="微軟正黑體" panose="020B0604030504040204" pitchFamily="34" charset="-120"/>
             </a:endParaRPr>
           </a:p>
-        </p:txBody>
-      </p:sp>
-      <p:sp>
-        <p:nvSpPr>
-          <p:cNvPr id="173" name="文字方塊 172">
-            <a:extLst>
-              <a:ext uri="{FF2B5EF4-FFF2-40B4-BE49-F238E27FC236}">
-                <a16:creationId xmlns:a16="http://schemas.microsoft.com/office/drawing/2014/main" id="{B3E2BCAC-89D6-4CAD-9D17-F2DAA0FD4D3C}"/>
-              </a:ext>
-            </a:extLst>
-          </p:cNvPr>
-          <p:cNvSpPr txBox="1"/>
-          <p:nvPr/>
-        </p:nvSpPr>
-        <p:spPr>
-          <a:xfrm>
-            <a:off x="511201" y="4216244"/>
-            <a:ext cx="4393400" cy="1323439"/>
-          </a:xfrm>
-          <a:prstGeom prst="rect">
-            <a:avLst/>
-          </a:prstGeom>
-          <a:noFill/>
-        </p:spPr>
-        <p:txBody>
-          <a:bodyPr wrap="square">
-            <a:spAutoFit/>
-          </a:bodyPr>
-          <a:lstStyle/>
           <a:p>
+            <a:pPr marL="285750" indent="-285750">
+              <a:buFont typeface="Arial" panose="020B0604020202020204" pitchFamily="34" charset="0"/>
+              <a:buChar char="•"/>
+            </a:pPr>
+            <a:endParaRPr lang="en-US" altLang="zh-TW" sz="1600" dirty="0">
+              <a:latin typeface="微軟正黑體" panose="020B0604030504040204" pitchFamily="34" charset="-120"/>
+              <a:ea typeface="微軟正黑體" panose="020B0604030504040204" pitchFamily="34" charset="-120"/>
+            </a:endParaRPr>
+          </a:p>
+          <a:p>
+            <a:pPr marL="285750" indent="-285750">
+              <a:buFont typeface="Arial" panose="020B0604020202020204" pitchFamily="34" charset="0"/>
+              <a:buChar char="•"/>
+            </a:pPr>
             <a:r>
               <a:rPr lang="zh-TW" altLang="en-US" sz="1600" dirty="0">
                 <a:latin typeface="微軟正黑體" panose="020B0604030504040204" pitchFamily="34" charset="-120"/>
                 <a:ea typeface="微軟正黑體" panose="020B0604030504040204" pitchFamily="34" charset="-120"/>
               </a:rPr>
-              <a:t>由於以往沒有使用過</a:t>
+              <a:t>地區參數被（</a:t>
+            </a:r>
+            <a:r>
+              <a:rPr lang="en-US" altLang="zh-TW" sz="1600" dirty="0" err="1">
+                <a:latin typeface="微軟正黑體" panose="020B0604030504040204" pitchFamily="34" charset="-120"/>
+                <a:ea typeface="微軟正黑體" panose="020B0604030504040204" pitchFamily="34" charset="-120"/>
+              </a:rPr>
+              <a:t>urlJumpIp</a:t>
+            </a:r>
+            <a:r>
+              <a:rPr lang="zh-TW" altLang="en-US" sz="1600" dirty="0">
+                <a:latin typeface="微軟正黑體" panose="020B0604030504040204" pitchFamily="34" charset="-120"/>
+                <a:ea typeface="微軟正黑體" panose="020B0604030504040204" pitchFamily="34" charset="-120"/>
+              </a:rPr>
+              <a:t>）存在</a:t>
             </a:r>
             <a:r>
               <a:rPr lang="en-US" altLang="zh-TW" sz="1600" dirty="0">
                 <a:latin typeface="微軟正黑體" panose="020B0604030504040204" pitchFamily="34" charset="-120"/>
                 <a:ea typeface="微軟正黑體" panose="020B0604030504040204" pitchFamily="34" charset="-120"/>
               </a:rPr>
-              <a:t>Flask</a:t>
+              <a:t>Cookies</a:t>
             </a:r>
             <a:r>
               <a:rPr lang="zh-TW" altLang="en-US" sz="1600" dirty="0">
                 <a:latin typeface="微軟正黑體" panose="020B0604030504040204" pitchFamily="34" charset="-120"/>
                 <a:ea typeface="微軟正黑體" panose="020B0604030504040204" pitchFamily="34" charset="-120"/>
               </a:rPr>
-              <a:t>，也沒有開發</a:t>
+              <a:t>裡</a:t>
+            </a:r>
+            <a:endParaRPr lang="en-US" altLang="zh-TW" sz="1600" dirty="0">
+              <a:latin typeface="微軟正黑體" panose="020B0604030504040204" pitchFamily="34" charset="-120"/>
+              <a:ea typeface="微軟正黑體" panose="020B0604030504040204" pitchFamily="34" charset="-120"/>
+            </a:endParaRPr>
+          </a:p>
+          <a:p>
+            <a:endParaRPr lang="en-US" altLang="zh-TW" sz="1600" dirty="0">
+              <a:latin typeface="微軟正黑體" panose="020B0604030504040204" pitchFamily="34" charset="-120"/>
+              <a:ea typeface="微軟正黑體" panose="020B0604030504040204" pitchFamily="34" charset="-120"/>
+            </a:endParaRPr>
+          </a:p>
+          <a:p>
+            <a:pPr marL="285750" indent="-285750">
+              <a:buFont typeface="Arial" panose="020B0604020202020204" pitchFamily="34" charset="0"/>
+              <a:buChar char="•"/>
+            </a:pPr>
+            <a:r>
+              <a:rPr lang="zh-TW" altLang="en-US" sz="1600" dirty="0">
+                <a:latin typeface="微軟正黑體" panose="020B0604030504040204" pitchFamily="34" charset="-120"/>
+                <a:ea typeface="微軟正黑體" panose="020B0604030504040204" pitchFamily="34" charset="-120"/>
+              </a:rPr>
+              <a:t>需發送一次以上</a:t>
             </a:r>
             <a:r>
               <a:rPr lang="en-US" altLang="zh-TW" sz="1600" dirty="0">
                 <a:latin typeface="微軟正黑體" panose="020B0604030504040204" pitchFamily="34" charset="-120"/>
                 <a:ea typeface="微軟正黑體" panose="020B0604030504040204" pitchFamily="34" charset="-120"/>
               </a:rPr>
-              <a:t>API</a:t>
+              <a:t>Session</a:t>
             </a:r>
             <a:r>
               <a:rPr lang="zh-TW" altLang="en-US" sz="1600" dirty="0">
                 <a:latin typeface="微軟正黑體" panose="020B0604030504040204" pitchFamily="34" charset="-120"/>
                 <a:ea typeface="微軟正黑體" panose="020B0604030504040204" pitchFamily="34" charset="-120"/>
               </a:rPr>
-              <a:t>經驗，因此在開發</a:t>
-            </a:r>
-            <a:r>
-              <a:rPr lang="en-US" altLang="zh-TW" sz="1600" dirty="0">
-                <a:latin typeface="微軟正黑體" panose="020B0604030504040204" pitchFamily="34" charset="-120"/>
-                <a:ea typeface="微軟正黑體" panose="020B0604030504040204" pitchFamily="34" charset="-120"/>
-              </a:rPr>
-              <a:t>API</a:t>
+              <a:t>，第一次需放入</a:t>
+            </a:r>
+            <a:r>
+              <a:rPr lang="en-US" altLang="zh-TW" sz="1600" dirty="0" err="1">
+                <a:latin typeface="微軟正黑體" panose="020B0604030504040204" pitchFamily="34" charset="-120"/>
+                <a:ea typeface="微軟正黑體" panose="020B0604030504040204" pitchFamily="34" charset="-120"/>
+              </a:rPr>
+              <a:t>urlJumpIp</a:t>
             </a:r>
             <a:r>
               <a:rPr lang="zh-TW" altLang="en-US" sz="1600" dirty="0">
                 <a:latin typeface="微軟正黑體" panose="020B0604030504040204" pitchFamily="34" charset="-120"/>
                 <a:ea typeface="微軟正黑體" panose="020B0604030504040204" pitchFamily="34" charset="-120"/>
               </a:rPr>
-              <a:t>時花了不少時間在參考、模仿他人做的</a:t>
-            </a:r>
-            <a:r>
-              <a:rPr lang="en-US" altLang="zh-TW" sz="1600" dirty="0">
-                <a:latin typeface="微軟正黑體" panose="020B0604030504040204" pitchFamily="34" charset="-120"/>
-                <a:ea typeface="微軟正黑體" panose="020B0604030504040204" pitchFamily="34" charset="-120"/>
-              </a:rPr>
-              <a:t>API</a:t>
-            </a:r>
-            <a:r>
-              <a:rPr lang="zh-TW" altLang="en-US" sz="1600" dirty="0">
-                <a:latin typeface="微軟正黑體" panose="020B0604030504040204" pitchFamily="34" charset="-120"/>
-                <a:ea typeface="微軟正黑體" panose="020B0604030504040204" pitchFamily="34" charset="-120"/>
-              </a:rPr>
-              <a:t>，但看到自己的</a:t>
-            </a:r>
-            <a:r>
-              <a:rPr lang="en-US" altLang="zh-TW" sz="1600" dirty="0">
-                <a:latin typeface="微軟正黑體" panose="020B0604030504040204" pitchFamily="34" charset="-120"/>
-                <a:ea typeface="微軟正黑體" panose="020B0604030504040204" pitchFamily="34" charset="-120"/>
-              </a:rPr>
-              <a:t>server</a:t>
-            </a:r>
-            <a:r>
-              <a:rPr lang="zh-TW" altLang="en-US" sz="1600" dirty="0">
-                <a:latin typeface="微軟正黑體" panose="020B0604030504040204" pitchFamily="34" charset="-120"/>
-                <a:ea typeface="微軟正黑體" panose="020B0604030504040204" pitchFamily="34" charset="-120"/>
-              </a:rPr>
-              <a:t>運行成功，且可以根據參數調整想要的資料時，我覺得所有的努力都值得了。</a:t>
+              <a:t>，後續方能透過該參數調整地區</a:t>
             </a:r>
           </a:p>
         </p:txBody>
@@ -4314,6 +4061,185 @@
           </p:style>
         </p:cxnSp>
       </p:grpSp>
+      <p:sp>
+        <p:nvSpPr>
+          <p:cNvPr id="32" name="文字方塊 31">
+            <a:extLst>
+              <a:ext uri="{FF2B5EF4-FFF2-40B4-BE49-F238E27FC236}">
+                <a16:creationId xmlns:a16="http://schemas.microsoft.com/office/drawing/2014/main" id="{CA0668E0-54AE-4425-B856-AB251610D33C}"/>
+              </a:ext>
+            </a:extLst>
+          </p:cNvPr>
+          <p:cNvSpPr txBox="1"/>
+          <p:nvPr/>
+        </p:nvSpPr>
+        <p:spPr>
+          <a:xfrm>
+            <a:off x="509441" y="3949233"/>
+            <a:ext cx="3934100" cy="461665"/>
+          </a:xfrm>
+          <a:prstGeom prst="rect">
+            <a:avLst/>
+          </a:prstGeom>
+          <a:noFill/>
+        </p:spPr>
+        <p:txBody>
+          <a:bodyPr wrap="square">
+            <a:spAutoFit/>
+          </a:bodyPr>
+          <a:lstStyle/>
+          <a:p>
+            <a:r>
+              <a:rPr lang="en-US" altLang="zh-TW" sz="2400" b="1" dirty="0">
+                <a:latin typeface="微軟正黑體" panose="020B0604030504040204" pitchFamily="34" charset="-120"/>
+                <a:ea typeface="微軟正黑體" panose="020B0604030504040204" pitchFamily="34" charset="-120"/>
+              </a:rPr>
+              <a:t>API</a:t>
+            </a:r>
+            <a:r>
+              <a:rPr lang="zh-TW" altLang="en-US" sz="2400" b="1" dirty="0">
+                <a:latin typeface="微軟正黑體" panose="020B0604030504040204" pitchFamily="34" charset="-120"/>
+                <a:ea typeface="微軟正黑體" panose="020B0604030504040204" pitchFamily="34" charset="-120"/>
+              </a:rPr>
+              <a:t>回傳的資料不包含電話</a:t>
+            </a:r>
+          </a:p>
+        </p:txBody>
+      </p:sp>
+      <p:sp>
+        <p:nvSpPr>
+          <p:cNvPr id="33" name="文字方塊 32">
+            <a:extLst>
+              <a:ext uri="{FF2B5EF4-FFF2-40B4-BE49-F238E27FC236}">
+                <a16:creationId xmlns:a16="http://schemas.microsoft.com/office/drawing/2014/main" id="{44DD3C1B-CBE6-4148-B6CE-B540B971D7D8}"/>
+              </a:ext>
+            </a:extLst>
+          </p:cNvPr>
+          <p:cNvSpPr txBox="1"/>
+          <p:nvPr/>
+        </p:nvSpPr>
+        <p:spPr>
+          <a:xfrm>
+            <a:off x="509442" y="4587452"/>
+            <a:ext cx="4456858" cy="1323439"/>
+          </a:xfrm>
+          <a:prstGeom prst="rect">
+            <a:avLst/>
+          </a:prstGeom>
+          <a:noFill/>
+        </p:spPr>
+        <p:txBody>
+          <a:bodyPr wrap="square">
+            <a:spAutoFit/>
+          </a:bodyPr>
+          <a:lstStyle/>
+          <a:p>
+            <a:pPr marL="285750" indent="-285750">
+              <a:buFont typeface="Arial" panose="020B0604020202020204" pitchFamily="34" charset="0"/>
+              <a:buChar char="•"/>
+            </a:pPr>
+            <a:r>
+              <a:rPr lang="en-US" altLang="zh-TW" sz="1600" dirty="0">
+                <a:latin typeface="微軟正黑體" panose="020B0604030504040204" pitchFamily="34" charset="-120"/>
+                <a:ea typeface="微軟正黑體" panose="020B0604030504040204" pitchFamily="34" charset="-120"/>
+              </a:rPr>
+              <a:t>API</a:t>
+            </a:r>
+            <a:r>
+              <a:rPr lang="zh-TW" altLang="en-US" sz="1600" dirty="0">
+                <a:latin typeface="微軟正黑體" panose="020B0604030504040204" pitchFamily="34" charset="-120"/>
+                <a:ea typeface="微軟正黑體" panose="020B0604030504040204" pitchFamily="34" charset="-120"/>
+              </a:rPr>
+              <a:t>回傳的</a:t>
+            </a:r>
+            <a:r>
+              <a:rPr lang="en-US" altLang="zh-TW" sz="1600" dirty="0">
+                <a:latin typeface="微軟正黑體" panose="020B0604030504040204" pitchFamily="34" charset="-120"/>
+                <a:ea typeface="微軟正黑體" panose="020B0604030504040204" pitchFamily="34" charset="-120"/>
+              </a:rPr>
+              <a:t>Json</a:t>
+            </a:r>
+            <a:r>
+              <a:rPr lang="zh-TW" altLang="en-US" sz="1600" dirty="0">
+                <a:latin typeface="微軟正黑體" panose="020B0604030504040204" pitchFamily="34" charset="-120"/>
+                <a:ea typeface="微軟正黑體" panose="020B0604030504040204" pitchFamily="34" charset="-120"/>
+              </a:rPr>
+              <a:t>不包含出租者電話</a:t>
+            </a:r>
+            <a:endParaRPr lang="en-US" altLang="zh-TW" sz="1600" dirty="0">
+              <a:latin typeface="微軟正黑體" panose="020B0604030504040204" pitchFamily="34" charset="-120"/>
+              <a:ea typeface="微軟正黑體" panose="020B0604030504040204" pitchFamily="34" charset="-120"/>
+            </a:endParaRPr>
+          </a:p>
+          <a:p>
+            <a:pPr marL="285750" indent="-285750">
+              <a:buFont typeface="Arial" panose="020B0604020202020204" pitchFamily="34" charset="0"/>
+              <a:buChar char="•"/>
+            </a:pPr>
+            <a:endParaRPr lang="en-US" altLang="zh-TW" sz="1600" dirty="0">
+              <a:latin typeface="微軟正黑體" panose="020B0604030504040204" pitchFamily="34" charset="-120"/>
+              <a:ea typeface="微軟正黑體" panose="020B0604030504040204" pitchFamily="34" charset="-120"/>
+            </a:endParaRPr>
+          </a:p>
+          <a:p>
+            <a:pPr marL="285750" indent="-285750">
+              <a:buFont typeface="Arial" panose="020B0604020202020204" pitchFamily="34" charset="0"/>
+              <a:buChar char="•"/>
+            </a:pPr>
+            <a:r>
+              <a:rPr lang="zh-TW" altLang="en-US" sz="1600" dirty="0">
+                <a:latin typeface="微軟正黑體" panose="020B0604030504040204" pitchFamily="34" charset="-120"/>
+                <a:ea typeface="微軟正黑體" panose="020B0604030504040204" pitchFamily="34" charset="-120"/>
+              </a:rPr>
+              <a:t>取得所有出租物件的網址，再發送</a:t>
+            </a:r>
+            <a:r>
+              <a:rPr lang="en-US" altLang="zh-TW" sz="1600" dirty="0">
+                <a:latin typeface="微軟正黑體" panose="020B0604030504040204" pitchFamily="34" charset="-120"/>
+                <a:ea typeface="微軟正黑體" panose="020B0604030504040204" pitchFamily="34" charset="-120"/>
+              </a:rPr>
+              <a:t>Request</a:t>
+            </a:r>
+          </a:p>
+          <a:p>
+            <a:endParaRPr lang="en-US" altLang="zh-TW" sz="1600" dirty="0">
+              <a:latin typeface="微軟正黑體" panose="020B0604030504040204" pitchFamily="34" charset="-120"/>
+              <a:ea typeface="微軟正黑體" panose="020B0604030504040204" pitchFamily="34" charset="-120"/>
+            </a:endParaRPr>
+          </a:p>
+          <a:p>
+            <a:pPr marL="285750" indent="-285750">
+              <a:buFont typeface="Arial" panose="020B0604020202020204" pitchFamily="34" charset="0"/>
+              <a:buChar char="•"/>
+            </a:pPr>
+            <a:r>
+              <a:rPr lang="zh-TW" altLang="en-US" sz="1600" dirty="0">
+                <a:latin typeface="微軟正黑體" panose="020B0604030504040204" pitchFamily="34" charset="-120"/>
+                <a:ea typeface="微軟正黑體" panose="020B0604030504040204" pitchFamily="34" charset="-120"/>
+              </a:rPr>
+              <a:t>利用</a:t>
+            </a:r>
+            <a:r>
+              <a:rPr lang="en-US" altLang="zh-TW" sz="1600" dirty="0" err="1">
+                <a:latin typeface="微軟正黑體" panose="020B0604030504040204" pitchFamily="34" charset="-120"/>
+                <a:ea typeface="微軟正黑體" panose="020B0604030504040204" pitchFamily="34" charset="-120"/>
+              </a:rPr>
+              <a:t>BeautifulSoup</a:t>
+            </a:r>
+            <a:r>
+              <a:rPr lang="zh-TW" altLang="en-US" sz="1600" dirty="0">
+                <a:latin typeface="微軟正黑體" panose="020B0604030504040204" pitchFamily="34" charset="-120"/>
+                <a:ea typeface="微軟正黑體" panose="020B0604030504040204" pitchFamily="34" charset="-120"/>
+              </a:rPr>
+              <a:t>解析電話欄位的值</a:t>
+            </a:r>
+            <a:endParaRPr lang="en-US" altLang="zh-TW" sz="1600" dirty="0">
+              <a:latin typeface="微軟正黑體" panose="020B0604030504040204" pitchFamily="34" charset="-120"/>
+              <a:ea typeface="微軟正黑體" panose="020B0604030504040204" pitchFamily="34" charset="-120"/>
+            </a:endParaRPr>
+          </a:p>
+        </p:txBody>
+      </p:sp>
     </p:spTree>
     <p:custDataLst>
       <p:tags r:id="rId1"/>
@@ -4339,6 +4265,1609 @@
 </file>
 
 <file path=ppt/slides/slide11.xml><?xml version="1.0" encoding="utf-8"?>
+<p:sld xmlns:a="http://schemas.openxmlformats.org/drawingml/2006/main" xmlns:r="http://schemas.openxmlformats.org/officeDocument/2006/relationships" xmlns:p="http://schemas.openxmlformats.org/presentationml/2006/main">
+  <p:cSld>
+    <p:spTree>
+      <p:nvGrpSpPr>
+        <p:cNvPr id="1" name=""/>
+        <p:cNvGrpSpPr/>
+        <p:nvPr/>
+      </p:nvGrpSpPr>
+      <p:grpSpPr>
+        <a:xfrm>
+          <a:off x="0" y="0"/>
+          <a:ext cx="0" cy="0"/>
+          <a:chOff x="0" y="0"/>
+          <a:chExt cx="0" cy="0"/>
+        </a:xfrm>
+      </p:grpSpPr>
+      <p:grpSp>
+        <p:nvGrpSpPr>
+          <p:cNvPr id="9" name="组合 8">
+            <a:extLst>
+              <a:ext uri="{FF2B5EF4-FFF2-40B4-BE49-F238E27FC236}">
+                <a16:creationId xmlns:a16="http://schemas.microsoft.com/office/drawing/2014/main" id="{3D892C9D-9DA7-41D0-B5BB-7F4403053623}"/>
+              </a:ext>
+            </a:extLst>
+          </p:cNvPr>
+          <p:cNvGrpSpPr/>
+          <p:nvPr/>
+        </p:nvGrpSpPr>
+        <p:grpSpPr>
+          <a:xfrm>
+            <a:off x="5670159" y="5912004"/>
+            <a:ext cx="1016000" cy="152400"/>
+            <a:chOff x="-2407920" y="-1463040"/>
+            <a:chExt cx="1828800" cy="274320"/>
+          </a:xfrm>
+          <a:solidFill>
+            <a:srgbClr val="CCB5A5"/>
+          </a:solidFill>
+        </p:grpSpPr>
+        <p:sp>
+          <p:nvSpPr>
+            <p:cNvPr id="3" name="椭圆 2">
+              <a:extLst>
+                <a:ext uri="{FF2B5EF4-FFF2-40B4-BE49-F238E27FC236}">
+                  <a16:creationId xmlns:a16="http://schemas.microsoft.com/office/drawing/2014/main" id="{D59F1FF8-5AC4-4754-B12D-00D6B5619DE3}"/>
+                </a:ext>
+              </a:extLst>
+            </p:cNvPr>
+            <p:cNvSpPr/>
+            <p:nvPr/>
+          </p:nvSpPr>
+          <p:spPr>
+            <a:xfrm>
+              <a:off x="-2407920" y="-1463040"/>
+              <a:ext cx="274320" cy="274320"/>
+            </a:xfrm>
+            <a:prstGeom prst="ellipse">
+              <a:avLst/>
+            </a:prstGeom>
+            <a:grpFill/>
+            <a:ln>
+              <a:noFill/>
+            </a:ln>
+          </p:spPr>
+          <p:style>
+            <a:lnRef idx="2">
+              <a:schemeClr val="accent1">
+                <a:shade val="50000"/>
+              </a:schemeClr>
+            </a:lnRef>
+            <a:fillRef idx="1">
+              <a:schemeClr val="accent1"/>
+            </a:fillRef>
+            <a:effectRef idx="0">
+              <a:schemeClr val="accent1"/>
+            </a:effectRef>
+            <a:fontRef idx="minor">
+              <a:schemeClr val="lt1"/>
+            </a:fontRef>
+          </p:style>
+          <p:txBody>
+            <a:bodyPr rtlCol="0" anchor="ctr"/>
+            <a:lstStyle/>
+            <a:p>
+              <a:pPr algn="ctr"/>
+              <a:endParaRPr lang="zh-CN" altLang="en-US">
+                <a:latin typeface="微軟正黑體" panose="020B0604030504040204" pitchFamily="34" charset="-120"/>
+                <a:ea typeface="微軟正黑體" panose="020B0604030504040204" pitchFamily="34" charset="-120"/>
+                <a:sym typeface="思源黑体" panose="020B0500000000000000" pitchFamily="34" charset="-122"/>
+              </a:endParaRPr>
+            </a:p>
+          </p:txBody>
+        </p:sp>
+        <p:sp>
+          <p:nvSpPr>
+            <p:cNvPr id="5" name="椭圆 4">
+              <a:extLst>
+                <a:ext uri="{FF2B5EF4-FFF2-40B4-BE49-F238E27FC236}">
+                  <a16:creationId xmlns:a16="http://schemas.microsoft.com/office/drawing/2014/main" id="{A489251F-863A-440C-B4B3-5141A94E4B0A}"/>
+                </a:ext>
+              </a:extLst>
+            </p:cNvPr>
+            <p:cNvSpPr/>
+            <p:nvPr/>
+          </p:nvSpPr>
+          <p:spPr>
+            <a:xfrm>
+              <a:off x="-1889760" y="-1463040"/>
+              <a:ext cx="274320" cy="274320"/>
+            </a:xfrm>
+            <a:prstGeom prst="ellipse">
+              <a:avLst/>
+            </a:prstGeom>
+            <a:grpFill/>
+            <a:ln>
+              <a:noFill/>
+            </a:ln>
+          </p:spPr>
+          <p:style>
+            <a:lnRef idx="2">
+              <a:schemeClr val="accent1">
+                <a:shade val="50000"/>
+              </a:schemeClr>
+            </a:lnRef>
+            <a:fillRef idx="1">
+              <a:schemeClr val="accent1"/>
+            </a:fillRef>
+            <a:effectRef idx="0">
+              <a:schemeClr val="accent1"/>
+            </a:effectRef>
+            <a:fontRef idx="minor">
+              <a:schemeClr val="lt1"/>
+            </a:fontRef>
+          </p:style>
+          <p:txBody>
+            <a:bodyPr rtlCol="0" anchor="ctr"/>
+            <a:lstStyle/>
+            <a:p>
+              <a:pPr algn="ctr"/>
+              <a:endParaRPr lang="zh-CN" altLang="en-US">
+                <a:latin typeface="微軟正黑體" panose="020B0604030504040204" pitchFamily="34" charset="-120"/>
+                <a:ea typeface="微軟正黑體" panose="020B0604030504040204" pitchFamily="34" charset="-120"/>
+                <a:sym typeface="思源黑体" panose="020B0500000000000000" pitchFamily="34" charset="-122"/>
+              </a:endParaRPr>
+            </a:p>
+          </p:txBody>
+        </p:sp>
+        <p:sp>
+          <p:nvSpPr>
+            <p:cNvPr id="6" name="椭圆 5">
+              <a:extLst>
+                <a:ext uri="{FF2B5EF4-FFF2-40B4-BE49-F238E27FC236}">
+                  <a16:creationId xmlns:a16="http://schemas.microsoft.com/office/drawing/2014/main" id="{83F5E17D-A89F-4CB1-B2CA-10E6AF3A336E}"/>
+                </a:ext>
+              </a:extLst>
+            </p:cNvPr>
+            <p:cNvSpPr/>
+            <p:nvPr/>
+          </p:nvSpPr>
+          <p:spPr>
+            <a:xfrm>
+              <a:off x="-1371600" y="-1463040"/>
+              <a:ext cx="274320" cy="274320"/>
+            </a:xfrm>
+            <a:prstGeom prst="ellipse">
+              <a:avLst/>
+            </a:prstGeom>
+            <a:grpFill/>
+            <a:ln>
+              <a:noFill/>
+            </a:ln>
+          </p:spPr>
+          <p:style>
+            <a:lnRef idx="2">
+              <a:schemeClr val="accent1">
+                <a:shade val="50000"/>
+              </a:schemeClr>
+            </a:lnRef>
+            <a:fillRef idx="1">
+              <a:schemeClr val="accent1"/>
+            </a:fillRef>
+            <a:effectRef idx="0">
+              <a:schemeClr val="accent1"/>
+            </a:effectRef>
+            <a:fontRef idx="minor">
+              <a:schemeClr val="lt1"/>
+            </a:fontRef>
+          </p:style>
+          <p:txBody>
+            <a:bodyPr rtlCol="0" anchor="ctr"/>
+            <a:lstStyle/>
+            <a:p>
+              <a:pPr algn="ctr"/>
+              <a:endParaRPr lang="zh-CN" altLang="en-US">
+                <a:latin typeface="微軟正黑體" panose="020B0604030504040204" pitchFamily="34" charset="-120"/>
+                <a:ea typeface="微軟正黑體" panose="020B0604030504040204" pitchFamily="34" charset="-120"/>
+                <a:sym typeface="思源黑体" panose="020B0500000000000000" pitchFamily="34" charset="-122"/>
+              </a:endParaRPr>
+            </a:p>
+          </p:txBody>
+        </p:sp>
+        <p:sp>
+          <p:nvSpPr>
+            <p:cNvPr id="8" name="椭圆 7">
+              <a:extLst>
+                <a:ext uri="{FF2B5EF4-FFF2-40B4-BE49-F238E27FC236}">
+                  <a16:creationId xmlns:a16="http://schemas.microsoft.com/office/drawing/2014/main" id="{BF074191-9D8E-4089-9F45-4062E2B34B38}"/>
+                </a:ext>
+              </a:extLst>
+            </p:cNvPr>
+            <p:cNvSpPr/>
+            <p:nvPr/>
+          </p:nvSpPr>
+          <p:spPr>
+            <a:xfrm>
+              <a:off x="-853440" y="-1463040"/>
+              <a:ext cx="274320" cy="274320"/>
+            </a:xfrm>
+            <a:prstGeom prst="ellipse">
+              <a:avLst/>
+            </a:prstGeom>
+            <a:grpFill/>
+            <a:ln>
+              <a:noFill/>
+            </a:ln>
+          </p:spPr>
+          <p:style>
+            <a:lnRef idx="2">
+              <a:schemeClr val="accent1">
+                <a:shade val="50000"/>
+              </a:schemeClr>
+            </a:lnRef>
+            <a:fillRef idx="1">
+              <a:schemeClr val="accent1"/>
+            </a:fillRef>
+            <a:effectRef idx="0">
+              <a:schemeClr val="accent1"/>
+            </a:effectRef>
+            <a:fontRef idx="minor">
+              <a:schemeClr val="lt1"/>
+            </a:fontRef>
+          </p:style>
+          <p:txBody>
+            <a:bodyPr rtlCol="0" anchor="ctr"/>
+            <a:lstStyle/>
+            <a:p>
+              <a:pPr algn="ctr"/>
+              <a:endParaRPr lang="zh-CN" altLang="en-US">
+                <a:latin typeface="微軟正黑體" panose="020B0604030504040204" pitchFamily="34" charset="-120"/>
+                <a:ea typeface="微軟正黑體" panose="020B0604030504040204" pitchFamily="34" charset="-120"/>
+                <a:sym typeface="思源黑体" panose="020B0500000000000000" pitchFamily="34" charset="-122"/>
+              </a:endParaRPr>
+            </a:p>
+          </p:txBody>
+        </p:sp>
+      </p:grpSp>
+      <p:sp>
+        <p:nvSpPr>
+          <p:cNvPr id="10" name="文本框 9">
+            <a:extLst>
+              <a:ext uri="{FF2B5EF4-FFF2-40B4-BE49-F238E27FC236}">
+                <a16:creationId xmlns:a16="http://schemas.microsoft.com/office/drawing/2014/main" id="{D5AB1D67-D113-48F6-AA5C-0CDAF9E43B7A}"/>
+              </a:ext>
+            </a:extLst>
+          </p:cNvPr>
+          <p:cNvSpPr txBox="1"/>
+          <p:nvPr/>
+        </p:nvSpPr>
+        <p:spPr>
+          <a:xfrm>
+            <a:off x="2839984" y="3606479"/>
+            <a:ext cx="6425313" cy="923330"/>
+          </a:xfrm>
+          <a:prstGeom prst="rect">
+            <a:avLst/>
+          </a:prstGeom>
+          <a:noFill/>
+        </p:spPr>
+        <p:txBody>
+          <a:bodyPr wrap="square" rtlCol="0">
+            <a:spAutoFit/>
+          </a:bodyPr>
+          <a:lstStyle/>
+          <a:p>
+            <a:pPr algn="ctr"/>
+            <a:r>
+              <a:rPr lang="zh-TW" altLang="en-US" sz="5400" dirty="0">
+                <a:solidFill>
+                  <a:schemeClr val="accent2">
+                    <a:lumMod val="60000"/>
+                    <a:lumOff val="40000"/>
+                  </a:schemeClr>
+                </a:solidFill>
+                <a:latin typeface="微軟正黑體" panose="020B0604030504040204" pitchFamily="34" charset="-120"/>
+                <a:ea typeface="微軟正黑體" panose="020B0604030504040204" pitchFamily="34" charset="-120"/>
+                <a:sym typeface="思源黑体" panose="020B0500000000000000" pitchFamily="34" charset="-122"/>
+              </a:rPr>
+              <a:t>專案更新</a:t>
+            </a:r>
+            <a:endParaRPr lang="zh-CN" altLang="en-US" sz="5400" dirty="0">
+              <a:solidFill>
+                <a:schemeClr val="accent2">
+                  <a:lumMod val="60000"/>
+                  <a:lumOff val="40000"/>
+                </a:schemeClr>
+              </a:solidFill>
+              <a:latin typeface="微軟正黑體" panose="020B0604030504040204" pitchFamily="34" charset="-120"/>
+              <a:ea typeface="微軟正黑體" panose="020B0604030504040204" pitchFamily="34" charset="-120"/>
+              <a:sym typeface="思源黑体" panose="020B0500000000000000" pitchFamily="34" charset="-122"/>
+            </a:endParaRPr>
+          </a:p>
+        </p:txBody>
+      </p:sp>
+      <p:sp>
+        <p:nvSpPr>
+          <p:cNvPr id="18" name="椭圆 17">
+            <a:extLst>
+              <a:ext uri="{FF2B5EF4-FFF2-40B4-BE49-F238E27FC236}">
+                <a16:creationId xmlns:a16="http://schemas.microsoft.com/office/drawing/2014/main" id="{32566DDC-8B8E-4109-A5A7-6B5AC05A8C80}"/>
+              </a:ext>
+            </a:extLst>
+          </p:cNvPr>
+          <p:cNvSpPr/>
+          <p:nvPr/>
+        </p:nvSpPr>
+        <p:spPr>
+          <a:xfrm>
+            <a:off x="9636369" y="-606669"/>
+            <a:ext cx="1172307" cy="1172307"/>
+          </a:xfrm>
+          <a:prstGeom prst="ellipse">
+            <a:avLst/>
+          </a:prstGeom>
+          <a:solidFill>
+            <a:srgbClr val="ECD9CA"/>
+          </a:solidFill>
+          <a:ln>
+            <a:noFill/>
+          </a:ln>
+        </p:spPr>
+        <p:style>
+          <a:lnRef idx="2">
+            <a:schemeClr val="accent1">
+              <a:shade val="50000"/>
+            </a:schemeClr>
+          </a:lnRef>
+          <a:fillRef idx="1">
+            <a:schemeClr val="accent1"/>
+          </a:fillRef>
+          <a:effectRef idx="0">
+            <a:schemeClr val="accent1"/>
+          </a:effectRef>
+          <a:fontRef idx="minor">
+            <a:schemeClr val="lt1"/>
+          </a:fontRef>
+        </p:style>
+        <p:txBody>
+          <a:bodyPr rtlCol="0" anchor="ctr"/>
+          <a:lstStyle/>
+          <a:p>
+            <a:pPr algn="ctr"/>
+            <a:endParaRPr lang="zh-CN" altLang="en-US">
+              <a:latin typeface="微軟正黑體" panose="020B0604030504040204" pitchFamily="34" charset="-120"/>
+              <a:ea typeface="微軟正黑體" panose="020B0604030504040204" pitchFamily="34" charset="-120"/>
+              <a:sym typeface="思源黑体" panose="020B0500000000000000" pitchFamily="34" charset="-122"/>
+            </a:endParaRPr>
+          </a:p>
+        </p:txBody>
+      </p:sp>
+      <p:sp>
+        <p:nvSpPr>
+          <p:cNvPr id="20" name="椭圆 19">
+            <a:extLst>
+              <a:ext uri="{FF2B5EF4-FFF2-40B4-BE49-F238E27FC236}">
+                <a16:creationId xmlns:a16="http://schemas.microsoft.com/office/drawing/2014/main" id="{9230EA15-033E-4BE0-A80D-0296CA48F476}"/>
+              </a:ext>
+            </a:extLst>
+          </p:cNvPr>
+          <p:cNvSpPr/>
+          <p:nvPr/>
+        </p:nvSpPr>
+        <p:spPr>
+          <a:xfrm>
+            <a:off x="10273705" y="3429000"/>
+            <a:ext cx="1172307" cy="1172307"/>
+          </a:xfrm>
+          <a:prstGeom prst="ellipse">
+            <a:avLst/>
+          </a:prstGeom>
+          <a:solidFill>
+            <a:srgbClr val="BDC8C0"/>
+          </a:solidFill>
+          <a:ln>
+            <a:noFill/>
+          </a:ln>
+        </p:spPr>
+        <p:style>
+          <a:lnRef idx="2">
+            <a:schemeClr val="accent1">
+              <a:shade val="50000"/>
+            </a:schemeClr>
+          </a:lnRef>
+          <a:fillRef idx="1">
+            <a:schemeClr val="accent1"/>
+          </a:fillRef>
+          <a:effectRef idx="0">
+            <a:schemeClr val="accent1"/>
+          </a:effectRef>
+          <a:fontRef idx="minor">
+            <a:schemeClr val="lt1"/>
+          </a:fontRef>
+        </p:style>
+        <p:txBody>
+          <a:bodyPr rtlCol="0" anchor="ctr"/>
+          <a:lstStyle/>
+          <a:p>
+            <a:pPr algn="ctr"/>
+            <a:endParaRPr lang="zh-CN" altLang="en-US" dirty="0">
+              <a:latin typeface="微軟正黑體" panose="020B0604030504040204" pitchFamily="34" charset="-120"/>
+              <a:ea typeface="微軟正黑體" panose="020B0604030504040204" pitchFamily="34" charset="-120"/>
+              <a:sym typeface="思源黑体" panose="020B0500000000000000" pitchFamily="34" charset="-122"/>
+            </a:endParaRPr>
+          </a:p>
+        </p:txBody>
+      </p:sp>
+      <p:sp>
+        <p:nvSpPr>
+          <p:cNvPr id="22" name="椭圆 21">
+            <a:extLst>
+              <a:ext uri="{FF2B5EF4-FFF2-40B4-BE49-F238E27FC236}">
+                <a16:creationId xmlns:a16="http://schemas.microsoft.com/office/drawing/2014/main" id="{96C6AB43-115F-482F-89E5-1B01FF4DFB49}"/>
+              </a:ext>
+            </a:extLst>
+          </p:cNvPr>
+          <p:cNvSpPr/>
+          <p:nvPr/>
+        </p:nvSpPr>
+        <p:spPr>
+          <a:xfrm>
+            <a:off x="2316666" y="5002823"/>
+            <a:ext cx="1172307" cy="1172307"/>
+          </a:xfrm>
+          <a:prstGeom prst="ellipse">
+            <a:avLst/>
+          </a:prstGeom>
+          <a:solidFill>
+            <a:srgbClr val="BDC8C0"/>
+          </a:solidFill>
+          <a:ln>
+            <a:noFill/>
+          </a:ln>
+        </p:spPr>
+        <p:style>
+          <a:lnRef idx="2">
+            <a:schemeClr val="accent1">
+              <a:shade val="50000"/>
+            </a:schemeClr>
+          </a:lnRef>
+          <a:fillRef idx="1">
+            <a:schemeClr val="accent1"/>
+          </a:fillRef>
+          <a:effectRef idx="0">
+            <a:schemeClr val="accent1"/>
+          </a:effectRef>
+          <a:fontRef idx="minor">
+            <a:schemeClr val="lt1"/>
+          </a:fontRef>
+        </p:style>
+        <p:txBody>
+          <a:bodyPr rtlCol="0" anchor="ctr"/>
+          <a:lstStyle/>
+          <a:p>
+            <a:pPr algn="ctr"/>
+            <a:endParaRPr lang="zh-CN" altLang="en-US">
+              <a:latin typeface="微軟正黑體" panose="020B0604030504040204" pitchFamily="34" charset="-120"/>
+              <a:ea typeface="微軟正黑體" panose="020B0604030504040204" pitchFamily="34" charset="-120"/>
+              <a:sym typeface="思源黑体" panose="020B0500000000000000" pitchFamily="34" charset="-122"/>
+            </a:endParaRPr>
+          </a:p>
+        </p:txBody>
+      </p:sp>
+      <p:sp>
+        <p:nvSpPr>
+          <p:cNvPr id="24" name="椭圆 23">
+            <a:extLst>
+              <a:ext uri="{FF2B5EF4-FFF2-40B4-BE49-F238E27FC236}">
+                <a16:creationId xmlns:a16="http://schemas.microsoft.com/office/drawing/2014/main" id="{5DF930E1-BC8B-4405-9803-6D073477F909}"/>
+              </a:ext>
+            </a:extLst>
+          </p:cNvPr>
+          <p:cNvSpPr/>
+          <p:nvPr/>
+        </p:nvSpPr>
+        <p:spPr>
+          <a:xfrm>
+            <a:off x="2108759" y="1894744"/>
+            <a:ext cx="731226" cy="731226"/>
+          </a:xfrm>
+          <a:prstGeom prst="ellipse">
+            <a:avLst/>
+          </a:prstGeom>
+          <a:solidFill>
+            <a:srgbClr val="ECD9CA"/>
+          </a:solidFill>
+          <a:ln>
+            <a:noFill/>
+          </a:ln>
+        </p:spPr>
+        <p:style>
+          <a:lnRef idx="2">
+            <a:schemeClr val="accent1">
+              <a:shade val="50000"/>
+            </a:schemeClr>
+          </a:lnRef>
+          <a:fillRef idx="1">
+            <a:schemeClr val="accent1"/>
+          </a:fillRef>
+          <a:effectRef idx="0">
+            <a:schemeClr val="accent1"/>
+          </a:effectRef>
+          <a:fontRef idx="minor">
+            <a:schemeClr val="lt1"/>
+          </a:fontRef>
+        </p:style>
+        <p:txBody>
+          <a:bodyPr rtlCol="0" anchor="ctr"/>
+          <a:lstStyle/>
+          <a:p>
+            <a:pPr algn="ctr"/>
+            <a:endParaRPr lang="zh-CN" altLang="en-US">
+              <a:latin typeface="微軟正黑體" panose="020B0604030504040204" pitchFamily="34" charset="-120"/>
+              <a:ea typeface="微軟正黑體" panose="020B0604030504040204" pitchFamily="34" charset="-120"/>
+              <a:sym typeface="思源黑体" panose="020B0500000000000000" pitchFamily="34" charset="-122"/>
+            </a:endParaRPr>
+          </a:p>
+        </p:txBody>
+      </p:sp>
+      <p:sp>
+        <p:nvSpPr>
+          <p:cNvPr id="25" name="椭圆 24">
+            <a:extLst>
+              <a:ext uri="{FF2B5EF4-FFF2-40B4-BE49-F238E27FC236}">
+                <a16:creationId xmlns:a16="http://schemas.microsoft.com/office/drawing/2014/main" id="{107C5B7A-9017-4EAA-8969-859E52A6DAFA}"/>
+              </a:ext>
+            </a:extLst>
+          </p:cNvPr>
+          <p:cNvSpPr/>
+          <p:nvPr/>
+        </p:nvSpPr>
+        <p:spPr>
+          <a:xfrm>
+            <a:off x="546800" y="3755781"/>
+            <a:ext cx="347296" cy="347296"/>
+          </a:xfrm>
+          <a:prstGeom prst="ellipse">
+            <a:avLst/>
+          </a:prstGeom>
+          <a:solidFill>
+            <a:srgbClr val="A99F9D"/>
+          </a:solidFill>
+          <a:ln>
+            <a:noFill/>
+          </a:ln>
+        </p:spPr>
+        <p:style>
+          <a:lnRef idx="2">
+            <a:schemeClr val="accent1">
+              <a:shade val="50000"/>
+            </a:schemeClr>
+          </a:lnRef>
+          <a:fillRef idx="1">
+            <a:schemeClr val="accent1"/>
+          </a:fillRef>
+          <a:effectRef idx="0">
+            <a:schemeClr val="accent1"/>
+          </a:effectRef>
+          <a:fontRef idx="minor">
+            <a:schemeClr val="lt1"/>
+          </a:fontRef>
+        </p:style>
+        <p:txBody>
+          <a:bodyPr rtlCol="0" anchor="ctr"/>
+          <a:lstStyle/>
+          <a:p>
+            <a:pPr algn="ctr"/>
+            <a:endParaRPr lang="zh-CN" altLang="en-US">
+              <a:latin typeface="微軟正黑體" panose="020B0604030504040204" pitchFamily="34" charset="-120"/>
+              <a:ea typeface="微軟正黑體" panose="020B0604030504040204" pitchFamily="34" charset="-120"/>
+              <a:sym typeface="思源黑体" panose="020B0500000000000000" pitchFamily="34" charset="-122"/>
+            </a:endParaRPr>
+          </a:p>
+        </p:txBody>
+      </p:sp>
+      <p:sp>
+        <p:nvSpPr>
+          <p:cNvPr id="26" name="椭圆 25">
+            <a:extLst>
+              <a:ext uri="{FF2B5EF4-FFF2-40B4-BE49-F238E27FC236}">
+                <a16:creationId xmlns:a16="http://schemas.microsoft.com/office/drawing/2014/main" id="{0AD871A6-28BF-4DCB-93AA-F1439D75B78B}"/>
+              </a:ext>
+            </a:extLst>
+          </p:cNvPr>
+          <p:cNvSpPr/>
+          <p:nvPr/>
+        </p:nvSpPr>
+        <p:spPr>
+          <a:xfrm>
+            <a:off x="8579720" y="957629"/>
+            <a:ext cx="347296" cy="347296"/>
+          </a:xfrm>
+          <a:prstGeom prst="ellipse">
+            <a:avLst/>
+          </a:prstGeom>
+          <a:solidFill>
+            <a:srgbClr val="A99F9D"/>
+          </a:solidFill>
+          <a:ln>
+            <a:noFill/>
+          </a:ln>
+        </p:spPr>
+        <p:style>
+          <a:lnRef idx="2">
+            <a:schemeClr val="accent1">
+              <a:shade val="50000"/>
+            </a:schemeClr>
+          </a:lnRef>
+          <a:fillRef idx="1">
+            <a:schemeClr val="accent1"/>
+          </a:fillRef>
+          <a:effectRef idx="0">
+            <a:schemeClr val="accent1"/>
+          </a:effectRef>
+          <a:fontRef idx="minor">
+            <a:schemeClr val="lt1"/>
+          </a:fontRef>
+        </p:style>
+        <p:txBody>
+          <a:bodyPr rtlCol="0" anchor="ctr"/>
+          <a:lstStyle/>
+          <a:p>
+            <a:pPr algn="ctr"/>
+            <a:endParaRPr lang="zh-CN" altLang="en-US">
+              <a:latin typeface="微軟正黑體" panose="020B0604030504040204" pitchFamily="34" charset="-120"/>
+              <a:ea typeface="微軟正黑體" panose="020B0604030504040204" pitchFamily="34" charset="-120"/>
+              <a:sym typeface="思源黑体" panose="020B0500000000000000" pitchFamily="34" charset="-122"/>
+            </a:endParaRPr>
+          </a:p>
+        </p:txBody>
+      </p:sp>
+      <p:sp>
+        <p:nvSpPr>
+          <p:cNvPr id="27" name="椭圆 26">
+            <a:extLst>
+              <a:ext uri="{FF2B5EF4-FFF2-40B4-BE49-F238E27FC236}">
+                <a16:creationId xmlns:a16="http://schemas.microsoft.com/office/drawing/2014/main" id="{C85EC5A9-DA05-496E-8106-0C49A3F4CFFA}"/>
+              </a:ext>
+            </a:extLst>
+          </p:cNvPr>
+          <p:cNvSpPr/>
+          <p:nvPr/>
+        </p:nvSpPr>
+        <p:spPr>
+          <a:xfrm>
+            <a:off x="8645356" y="4829175"/>
+            <a:ext cx="347296" cy="347296"/>
+          </a:xfrm>
+          <a:prstGeom prst="ellipse">
+            <a:avLst/>
+          </a:prstGeom>
+          <a:solidFill>
+            <a:srgbClr val="A99F9D"/>
+          </a:solidFill>
+          <a:ln>
+            <a:noFill/>
+          </a:ln>
+        </p:spPr>
+        <p:style>
+          <a:lnRef idx="2">
+            <a:schemeClr val="accent1">
+              <a:shade val="50000"/>
+            </a:schemeClr>
+          </a:lnRef>
+          <a:fillRef idx="1">
+            <a:schemeClr val="accent1"/>
+          </a:fillRef>
+          <a:effectRef idx="0">
+            <a:schemeClr val="accent1"/>
+          </a:effectRef>
+          <a:fontRef idx="minor">
+            <a:schemeClr val="lt1"/>
+          </a:fontRef>
+        </p:style>
+        <p:txBody>
+          <a:bodyPr rtlCol="0" anchor="ctr"/>
+          <a:lstStyle/>
+          <a:p>
+            <a:pPr algn="ctr"/>
+            <a:endParaRPr lang="zh-CN" altLang="en-US">
+              <a:latin typeface="微軟正黑體" panose="020B0604030504040204" pitchFamily="34" charset="-120"/>
+              <a:ea typeface="微軟正黑體" panose="020B0604030504040204" pitchFamily="34" charset="-120"/>
+              <a:sym typeface="思源黑体" panose="020B0500000000000000" pitchFamily="34" charset="-122"/>
+            </a:endParaRPr>
+          </a:p>
+        </p:txBody>
+      </p:sp>
+      <p:sp>
+        <p:nvSpPr>
+          <p:cNvPr id="19" name="椭圆 7">
+            <a:extLst>
+              <a:ext uri="{FF2B5EF4-FFF2-40B4-BE49-F238E27FC236}">
+                <a16:creationId xmlns:a16="http://schemas.microsoft.com/office/drawing/2014/main" id="{92B5BC87-A67A-4860-9EA6-F4E776A4288E}"/>
+              </a:ext>
+            </a:extLst>
+          </p:cNvPr>
+          <p:cNvSpPr/>
+          <p:nvPr/>
+        </p:nvSpPr>
+        <p:spPr>
+          <a:xfrm>
+            <a:off x="5025176" y="957629"/>
+            <a:ext cx="2018100" cy="1961430"/>
+          </a:xfrm>
+          <a:prstGeom prst="ellipse">
+            <a:avLst/>
+          </a:prstGeom>
+          <a:solidFill>
+            <a:srgbClr val="AAA09E"/>
+          </a:solidFill>
+          <a:ln>
+            <a:noFill/>
+          </a:ln>
+        </p:spPr>
+        <p:style>
+          <a:lnRef idx="2">
+            <a:schemeClr val="accent1">
+              <a:shade val="50000"/>
+            </a:schemeClr>
+          </a:lnRef>
+          <a:fillRef idx="1">
+            <a:schemeClr val="accent1"/>
+          </a:fillRef>
+          <a:effectRef idx="0">
+            <a:schemeClr val="accent1"/>
+          </a:effectRef>
+          <a:fontRef idx="minor">
+            <a:schemeClr val="lt1"/>
+          </a:fontRef>
+        </p:style>
+        <p:txBody>
+          <a:bodyPr rtlCol="0" anchor="ctr"/>
+          <a:lstStyle/>
+          <a:p>
+            <a:pPr algn="ctr"/>
+            <a:r>
+              <a:rPr lang="en-US" altLang="zh-CN" sz="4000" dirty="0">
+                <a:solidFill>
+                  <a:srgbClr val="ECD9CA"/>
+                </a:solidFill>
+                <a:latin typeface="微軟正黑體" panose="020B0604030504040204" pitchFamily="34" charset="-120"/>
+                <a:ea typeface="微軟正黑體" panose="020B0604030504040204" pitchFamily="34" charset="-120"/>
+                <a:sym typeface="思源黑体" panose="020B0500000000000000" pitchFamily="34" charset="-122"/>
+              </a:rPr>
+              <a:t>0</a:t>
+            </a:r>
+          </a:p>
+          <a:p>
+            <a:pPr algn="ctr"/>
+            <a:r>
+              <a:rPr lang="en-US" altLang="zh-CN" sz="4000" dirty="0">
+                <a:solidFill>
+                  <a:srgbClr val="ECD9CA"/>
+                </a:solidFill>
+                <a:latin typeface="微軟正黑體" panose="020B0604030504040204" pitchFamily="34" charset="-120"/>
+                <a:ea typeface="微軟正黑體" panose="020B0604030504040204" pitchFamily="34" charset="-120"/>
+                <a:sym typeface="思源黑体" panose="020B0500000000000000" pitchFamily="34" charset="-122"/>
+              </a:rPr>
+              <a:t>3</a:t>
+            </a:r>
+            <a:endParaRPr lang="zh-CN" altLang="en-US" sz="4000" dirty="0">
+              <a:solidFill>
+                <a:srgbClr val="ECD9CA"/>
+              </a:solidFill>
+              <a:latin typeface="微軟正黑體" panose="020B0604030504040204" pitchFamily="34" charset="-120"/>
+              <a:ea typeface="微軟正黑體" panose="020B0604030504040204" pitchFamily="34" charset="-120"/>
+              <a:sym typeface="思源黑体" panose="020B0500000000000000" pitchFamily="34" charset="-122"/>
+            </a:endParaRPr>
+          </a:p>
+        </p:txBody>
+      </p:sp>
+    </p:spTree>
+    <p:extLst>
+      <p:ext uri="{BB962C8B-B14F-4D97-AF65-F5344CB8AC3E}">
+        <p14:creationId xmlns:p14="http://schemas.microsoft.com/office/powerpoint/2010/main" val="2967066184"/>
+      </p:ext>
+    </p:extLst>
+  </p:cSld>
+  <p:clrMapOvr>
+    <a:masterClrMapping/>
+  </p:clrMapOvr>
+  <mc:AlternateContent xmlns:mc="http://schemas.openxmlformats.org/markup-compatibility/2006" xmlns:p14="http://schemas.microsoft.com/office/powerpoint/2010/main">
+    <mc:Choice Requires="p14">
+      <p:transition p14:dur="10"/>
+    </mc:Choice>
+    <mc:Fallback xmlns="">
+      <p:transition/>
+    </mc:Fallback>
+  </mc:AlternateContent>
+</p:sld>
+</file>
+
+<file path=ppt/slides/slide12.xml><?xml version="1.0" encoding="utf-8"?>
+<p:sld xmlns:a="http://schemas.openxmlformats.org/drawingml/2006/main" xmlns:r="http://schemas.openxmlformats.org/officeDocument/2006/relationships" xmlns:p="http://schemas.openxmlformats.org/presentationml/2006/main">
+  <p:cSld>
+    <p:spTree>
+      <p:nvGrpSpPr>
+        <p:cNvPr id="1" name=""/>
+        <p:cNvGrpSpPr/>
+        <p:nvPr/>
+      </p:nvGrpSpPr>
+      <p:grpSpPr>
+        <a:xfrm>
+          <a:off x="0" y="0"/>
+          <a:ext cx="0" cy="0"/>
+          <a:chOff x="0" y="0"/>
+          <a:chExt cx="0" cy="0"/>
+        </a:xfrm>
+      </p:grpSpPr>
+      <p:sp>
+        <p:nvSpPr>
+          <p:cNvPr id="103" name="文本框 102" descr="e7d195523061f1c0d3ba7f298e59d031c9c3f97027ed136f882110EF8F17BAD1F2C348D17C7856EF46CB4678CC9E44EE1ABA681E3133328A7B4D22AAF822B2429426B2355AA8CC4431B8568D2CF3B73A2AFCC7246F074813C5A0A400C604C2E4AED7B7F7282F7066B2199682A80A29E573F146F815DA2058DF6DA411F2D7BD286C833E58BA5A529C">
+            <a:extLst>
+              <a:ext uri="{FF2B5EF4-FFF2-40B4-BE49-F238E27FC236}">
+                <a16:creationId xmlns:a16="http://schemas.microsoft.com/office/drawing/2014/main" id="{A68F145F-5ABD-4699-B989-B113E43F5206}"/>
+              </a:ext>
+            </a:extLst>
+          </p:cNvPr>
+          <p:cNvSpPr txBox="1"/>
+          <p:nvPr/>
+        </p:nvSpPr>
+        <p:spPr>
+          <a:xfrm>
+            <a:off x="1456149" y="1107389"/>
+            <a:ext cx="2173170" cy="461665"/>
+          </a:xfrm>
+          <a:prstGeom prst="rect">
+            <a:avLst/>
+          </a:prstGeom>
+          <a:noFill/>
+        </p:spPr>
+        <p:txBody>
+          <a:bodyPr wrap="square" rtlCol="0">
+            <a:spAutoFit/>
+          </a:bodyPr>
+          <a:lstStyle/>
+          <a:p>
+            <a:pPr marL="342900" indent="-342900">
+              <a:buFont typeface="Arial" panose="020B0604020202020204" pitchFamily="34" charset="0"/>
+              <a:buChar char="•"/>
+            </a:pPr>
+            <a:r>
+              <a:rPr lang="zh-TW" altLang="en-US" sz="2400" b="1" dirty="0">
+                <a:latin typeface="微軟正黑體" panose="020B0604030504040204" pitchFamily="34" charset="-120"/>
+                <a:ea typeface="微軟正黑體" panose="020B0604030504040204" pitchFamily="34" charset="-120"/>
+                <a:sym typeface="思源黑体 Medium" panose="020B0600000000000000" pitchFamily="34" charset="-122"/>
+              </a:rPr>
+              <a:t>正則表示法</a:t>
+            </a:r>
+            <a:endParaRPr lang="zh-CN" altLang="en-US" sz="2400" b="1" dirty="0">
+              <a:latin typeface="微軟正黑體" panose="020B0604030504040204" pitchFamily="34" charset="-120"/>
+              <a:ea typeface="微軟正黑體" panose="020B0604030504040204" pitchFamily="34" charset="-120"/>
+              <a:sym typeface="思源黑体 Medium" panose="020B0600000000000000" pitchFamily="34" charset="-122"/>
+            </a:endParaRPr>
+          </a:p>
+        </p:txBody>
+      </p:sp>
+      <p:sp>
+        <p:nvSpPr>
+          <p:cNvPr id="18" name="矩形 17">
+            <a:extLst>
+              <a:ext uri="{FF2B5EF4-FFF2-40B4-BE49-F238E27FC236}">
+                <a16:creationId xmlns:a16="http://schemas.microsoft.com/office/drawing/2014/main" id="{EFD66509-A14C-428B-AD28-EDF836E7C0C4}"/>
+              </a:ext>
+            </a:extLst>
+          </p:cNvPr>
+          <p:cNvSpPr/>
+          <p:nvPr/>
+        </p:nvSpPr>
+        <p:spPr>
+          <a:xfrm>
+            <a:off x="4761271" y="239998"/>
+            <a:ext cx="3570965" cy="696922"/>
+          </a:xfrm>
+          <a:prstGeom prst="rect">
+            <a:avLst/>
+          </a:prstGeom>
+        </p:spPr>
+        <p:txBody>
+          <a:bodyPr wrap="square">
+            <a:spAutoFit/>
+          </a:bodyPr>
+          <a:lstStyle/>
+          <a:p>
+            <a:pPr>
+              <a:lnSpc>
+                <a:spcPct val="120000"/>
+              </a:lnSpc>
+            </a:pPr>
+            <a:r>
+              <a:rPr lang="zh-TW" altLang="en-US" sz="3600" dirty="0">
+                <a:solidFill>
+                  <a:schemeClr val="accent2">
+                    <a:lumMod val="60000"/>
+                    <a:lumOff val="40000"/>
+                  </a:schemeClr>
+                </a:solidFill>
+                <a:latin typeface="微軟正黑體" panose="020B0604030504040204" pitchFamily="34" charset="-120"/>
+                <a:ea typeface="微軟正黑體" panose="020B0604030504040204" pitchFamily="34" charset="-120"/>
+                <a:sym typeface="思源黑体" panose="020B0500000000000000" pitchFamily="34" charset="-122"/>
+              </a:rPr>
+              <a:t>專案更新（</a:t>
+            </a:r>
+            <a:r>
+              <a:rPr lang="en-US" altLang="zh-TW" sz="3600" dirty="0">
+                <a:solidFill>
+                  <a:schemeClr val="accent2">
+                    <a:lumMod val="60000"/>
+                    <a:lumOff val="40000"/>
+                  </a:schemeClr>
+                </a:solidFill>
+                <a:latin typeface="微軟正黑體" panose="020B0604030504040204" pitchFamily="34" charset="-120"/>
+                <a:ea typeface="微軟正黑體" panose="020B0604030504040204" pitchFamily="34" charset="-120"/>
+                <a:sym typeface="思源黑体" panose="020B0500000000000000" pitchFamily="34" charset="-122"/>
+              </a:rPr>
+              <a:t>1/2</a:t>
+            </a:r>
+            <a:r>
+              <a:rPr lang="zh-TW" altLang="en-US" sz="3600" dirty="0">
+                <a:solidFill>
+                  <a:schemeClr val="accent2">
+                    <a:lumMod val="60000"/>
+                    <a:lumOff val="40000"/>
+                  </a:schemeClr>
+                </a:solidFill>
+                <a:latin typeface="微軟正黑體" panose="020B0604030504040204" pitchFamily="34" charset="-120"/>
+                <a:ea typeface="微軟正黑體" panose="020B0604030504040204" pitchFamily="34" charset="-120"/>
+                <a:sym typeface="思源黑体" panose="020B0500000000000000" pitchFamily="34" charset="-122"/>
+              </a:rPr>
+              <a:t>）</a:t>
+            </a:r>
+            <a:endParaRPr lang="zh-CN" altLang="en-US" sz="3600" dirty="0">
+              <a:latin typeface="微軟正黑體" panose="020B0604030504040204" pitchFamily="34" charset="-120"/>
+              <a:ea typeface="微軟正黑體" panose="020B0604030504040204" pitchFamily="34" charset="-120"/>
+              <a:sym typeface="思源黑体 Medium" panose="020B0600000000000000" pitchFamily="34" charset="-122"/>
+            </a:endParaRPr>
+          </a:p>
+        </p:txBody>
+      </p:sp>
+      <p:pic>
+        <p:nvPicPr>
+          <p:cNvPr id="3" name="圖片 2" descr="一張含有 文字 的圖片&#10;&#10;自動產生的描述">
+            <a:extLst>
+              <a:ext uri="{FF2B5EF4-FFF2-40B4-BE49-F238E27FC236}">
+                <a16:creationId xmlns:a16="http://schemas.microsoft.com/office/drawing/2014/main" id="{966690C7-F214-4BE6-B69B-8B98910DB046}"/>
+              </a:ext>
+            </a:extLst>
+          </p:cNvPr>
+          <p:cNvPicPr>
+            <a:picLocks noChangeAspect="1"/>
+          </p:cNvPicPr>
+          <p:nvPr/>
+        </p:nvPicPr>
+        <p:blipFill rotWithShape="1">
+          <a:blip r:embed="rId3" cstate="print">
+            <a:extLst>
+              <a:ext uri="{28A0092B-C50C-407E-A947-70E740481C1C}">
+                <a14:useLocalDpi xmlns:a14="http://schemas.microsoft.com/office/drawing/2010/main" val="0"/>
+              </a:ext>
+            </a:extLst>
+          </a:blip>
+          <a:srcRect/>
+          <a:stretch/>
+        </p:blipFill>
+        <p:spPr>
+          <a:xfrm>
+            <a:off x="459325" y="3075488"/>
+            <a:ext cx="11409651" cy="3542514"/>
+          </a:xfrm>
+          <a:prstGeom prst="rect">
+            <a:avLst/>
+          </a:prstGeom>
+        </p:spPr>
+      </p:pic>
+      <p:sp>
+        <p:nvSpPr>
+          <p:cNvPr id="10" name="文本框 102" descr="e7d195523061f1c0d3ba7f298e59d031c9c3f97027ed136f882110EF8F17BAD1F2C348D17C7856EF46CB4678CC9E44EE1ABA681E3133328A7B4D22AAF822B2429426B2355AA8CC4431B8568D2CF3B73A2AFCC7246F074813C5A0A400C604C2E4AED7B7F7282F7066B2199682A80A29E573F146F815DA2058DF6DA411F2D7BD286C833E58BA5A529C">
+            <a:extLst>
+              <a:ext uri="{FF2B5EF4-FFF2-40B4-BE49-F238E27FC236}">
+                <a16:creationId xmlns:a16="http://schemas.microsoft.com/office/drawing/2014/main" id="{A1E69A02-717D-4CD6-82BF-BEA8C34E4203}"/>
+              </a:ext>
+            </a:extLst>
+          </p:cNvPr>
+          <p:cNvSpPr txBox="1"/>
+          <p:nvPr/>
+        </p:nvSpPr>
+        <p:spPr>
+          <a:xfrm>
+            <a:off x="2494668" y="2329303"/>
+            <a:ext cx="1134651" cy="461665"/>
+          </a:xfrm>
+          <a:prstGeom prst="rect">
+            <a:avLst/>
+          </a:prstGeom>
+          <a:noFill/>
+        </p:spPr>
+        <p:txBody>
+          <a:bodyPr wrap="square" rtlCol="0">
+            <a:spAutoFit/>
+          </a:bodyPr>
+          <a:lstStyle/>
+          <a:p>
+            <a:r>
+              <a:rPr lang="zh-TW" altLang="en-US" sz="2400" b="1" dirty="0">
+                <a:latin typeface="微軟正黑體" panose="020B0604030504040204" pitchFamily="34" charset="-120"/>
+                <a:ea typeface="微軟正黑體" panose="020B0604030504040204" pitchFamily="34" charset="-120"/>
+                <a:sym typeface="思源黑体 Medium" panose="020B0600000000000000" pitchFamily="34" charset="-122"/>
+              </a:rPr>
+              <a:t>更新後</a:t>
+            </a:r>
+            <a:endParaRPr lang="zh-CN" altLang="en-US" sz="2400" b="1" dirty="0">
+              <a:latin typeface="微軟正黑體" panose="020B0604030504040204" pitchFamily="34" charset="-120"/>
+              <a:ea typeface="微軟正黑體" panose="020B0604030504040204" pitchFamily="34" charset="-120"/>
+              <a:sym typeface="思源黑体 Medium" panose="020B0600000000000000" pitchFamily="34" charset="-122"/>
+            </a:endParaRPr>
+          </a:p>
+        </p:txBody>
+      </p:sp>
+      <p:sp>
+        <p:nvSpPr>
+          <p:cNvPr id="11" name="文本框 102" descr="e7d195523061f1c0d3ba7f298e59d031c9c3f97027ed136f882110EF8F17BAD1F2C348D17C7856EF46CB4678CC9E44EE1ABA681E3133328A7B4D22AAF822B2429426B2355AA8CC4431B8568D2CF3B73A2AFCC7246F074813C5A0A400C604C2E4AED7B7F7282F7066B2199682A80A29E573F146F815DA2058DF6DA411F2D7BD286C833E58BA5A529C">
+            <a:extLst>
+              <a:ext uri="{FF2B5EF4-FFF2-40B4-BE49-F238E27FC236}">
+                <a16:creationId xmlns:a16="http://schemas.microsoft.com/office/drawing/2014/main" id="{853701D9-BFD5-4D0A-A537-B101891EDE7A}"/>
+              </a:ext>
+            </a:extLst>
+          </p:cNvPr>
+          <p:cNvSpPr txBox="1"/>
+          <p:nvPr/>
+        </p:nvSpPr>
+        <p:spPr>
+          <a:xfrm>
+            <a:off x="8332236" y="2329303"/>
+            <a:ext cx="1134651" cy="461665"/>
+          </a:xfrm>
+          <a:prstGeom prst="rect">
+            <a:avLst/>
+          </a:prstGeom>
+          <a:noFill/>
+        </p:spPr>
+        <p:txBody>
+          <a:bodyPr wrap="square" rtlCol="0">
+            <a:spAutoFit/>
+          </a:bodyPr>
+          <a:lstStyle/>
+          <a:p>
+            <a:r>
+              <a:rPr lang="zh-TW" altLang="en-US" sz="2400" b="1" dirty="0">
+                <a:latin typeface="微軟正黑體" panose="020B0604030504040204" pitchFamily="34" charset="-120"/>
+                <a:ea typeface="微軟正黑體" panose="020B0604030504040204" pitchFamily="34" charset="-120"/>
+                <a:sym typeface="思源黑体 Medium" panose="020B0600000000000000" pitchFamily="34" charset="-122"/>
+              </a:rPr>
+              <a:t>更新前</a:t>
+            </a:r>
+            <a:endParaRPr lang="zh-CN" altLang="en-US" sz="2400" b="1" dirty="0">
+              <a:latin typeface="微軟正黑體" panose="020B0604030504040204" pitchFamily="34" charset="-120"/>
+              <a:ea typeface="微軟正黑體" panose="020B0604030504040204" pitchFamily="34" charset="-120"/>
+              <a:sym typeface="思源黑体 Medium" panose="020B0600000000000000" pitchFamily="34" charset="-122"/>
+            </a:endParaRPr>
+          </a:p>
+        </p:txBody>
+      </p:sp>
+    </p:spTree>
+    <p:custDataLst>
+      <p:tags r:id="rId1"/>
+    </p:custDataLst>
+    <p:extLst>
+      <p:ext uri="{BB962C8B-B14F-4D97-AF65-F5344CB8AC3E}">
+        <p14:creationId xmlns:p14="http://schemas.microsoft.com/office/powerpoint/2010/main" val="564968448"/>
+      </p:ext>
+    </p:extLst>
+  </p:cSld>
+  <p:clrMapOvr>
+    <a:masterClrMapping/>
+  </p:clrMapOvr>
+  <mc:AlternateContent xmlns:mc="http://schemas.openxmlformats.org/markup-compatibility/2006" xmlns:p14="http://schemas.microsoft.com/office/powerpoint/2010/main">
+    <mc:Choice Requires="p14">
+      <p:transition p14:dur="10"/>
+    </mc:Choice>
+    <mc:Fallback xmlns="">
+      <p:transition/>
+    </mc:Fallback>
+  </mc:AlternateContent>
+</p:sld>
+</file>
+
+<file path=ppt/slides/slide13.xml><?xml version="1.0" encoding="utf-8"?>
+<p:sld xmlns:a="http://schemas.openxmlformats.org/drawingml/2006/main" xmlns:r="http://schemas.openxmlformats.org/officeDocument/2006/relationships" xmlns:p="http://schemas.openxmlformats.org/presentationml/2006/main">
+  <p:cSld>
+    <p:spTree>
+      <p:nvGrpSpPr>
+        <p:cNvPr id="1" name=""/>
+        <p:cNvGrpSpPr/>
+        <p:nvPr/>
+      </p:nvGrpSpPr>
+      <p:grpSpPr>
+        <a:xfrm>
+          <a:off x="0" y="0"/>
+          <a:ext cx="0" cy="0"/>
+          <a:chOff x="0" y="0"/>
+          <a:chExt cx="0" cy="0"/>
+        </a:xfrm>
+      </p:grpSpPr>
+      <p:sp>
+        <p:nvSpPr>
+          <p:cNvPr id="103" name="文本框 102" descr="e7d195523061f1c0d3ba7f298e59d031c9c3f97027ed136f882110EF8F17BAD1F2C348D17C7856EF46CB4678CC9E44EE1ABA681E3133328A7B4D22AAF822B2429426B2355AA8CC4431B8568D2CF3B73A2AFCC7246F074813C5A0A400C604C2E4AED7B7F7282F7066B2199682A80A29E573F146F815DA2058DF6DA411F2D7BD286C833E58BA5A529C">
+            <a:extLst>
+              <a:ext uri="{FF2B5EF4-FFF2-40B4-BE49-F238E27FC236}">
+                <a16:creationId xmlns:a16="http://schemas.microsoft.com/office/drawing/2014/main" id="{A68F145F-5ABD-4699-B989-B113E43F5206}"/>
+              </a:ext>
+            </a:extLst>
+          </p:cNvPr>
+          <p:cNvSpPr txBox="1"/>
+          <p:nvPr/>
+        </p:nvSpPr>
+        <p:spPr>
+          <a:xfrm>
+            <a:off x="1456149" y="1107389"/>
+            <a:ext cx="7998936" cy="461665"/>
+          </a:xfrm>
+          <a:prstGeom prst="rect">
+            <a:avLst/>
+          </a:prstGeom>
+          <a:noFill/>
+        </p:spPr>
+        <p:txBody>
+          <a:bodyPr wrap="square" rtlCol="0">
+            <a:spAutoFit/>
+          </a:bodyPr>
+          <a:lstStyle/>
+          <a:p>
+            <a:pPr marL="342900" indent="-342900">
+              <a:buFont typeface="Arial" panose="020B0604020202020204" pitchFamily="34" charset="0"/>
+              <a:buChar char="•"/>
+            </a:pPr>
+            <a:r>
+              <a:rPr lang="zh-TW" altLang="en-US" sz="2400" b="1" dirty="0">
+                <a:latin typeface="微軟正黑體" panose="020B0604030504040204" pitchFamily="34" charset="-120"/>
+                <a:ea typeface="微軟正黑體" panose="020B0604030504040204" pitchFamily="34" charset="-120"/>
+                <a:sym typeface="思源黑体 Medium" panose="020B0600000000000000" pitchFamily="34" charset="-122"/>
+              </a:rPr>
+              <a:t>多執行緒 </a:t>
+            </a:r>
+            <a:r>
+              <a:rPr lang="en-US" altLang="zh-TW" sz="2400" b="1" dirty="0">
+                <a:latin typeface="微軟正黑體" panose="020B0604030504040204" pitchFamily="34" charset="-120"/>
+                <a:ea typeface="微軟正黑體" panose="020B0604030504040204" pitchFamily="34" charset="-120"/>
+                <a:sym typeface="思源黑体 Medium" panose="020B0600000000000000" pitchFamily="34" charset="-122"/>
+              </a:rPr>
+              <a:t>-</a:t>
+            </a:r>
+            <a:r>
+              <a:rPr lang="zh-TW" altLang="en-US" sz="2400" b="1" dirty="0">
+                <a:latin typeface="微軟正黑體" panose="020B0604030504040204" pitchFamily="34" charset="-120"/>
+                <a:ea typeface="微軟正黑體" panose="020B0604030504040204" pitchFamily="34" charset="-120"/>
+                <a:sym typeface="思源黑体 Medium" panose="020B0600000000000000" pitchFamily="34" charset="-122"/>
+              </a:rPr>
+              <a:t> </a:t>
+            </a:r>
+            <a:r>
+              <a:rPr lang="en-US" altLang="zh-TW" sz="2400" b="1" dirty="0" err="1">
+                <a:latin typeface="微軟正黑體" panose="020B0604030504040204" pitchFamily="34" charset="-120"/>
+                <a:ea typeface="微軟正黑體" panose="020B0604030504040204" pitchFamily="34" charset="-120"/>
+              </a:rPr>
+              <a:t>concurrent.futures.ThreadPoolExecutor</a:t>
+            </a:r>
+            <a:endParaRPr lang="zh-CN" altLang="en-US" sz="2400" b="1" dirty="0">
+              <a:latin typeface="微軟正黑體" panose="020B0604030504040204" pitchFamily="34" charset="-120"/>
+              <a:ea typeface="微軟正黑體" panose="020B0604030504040204" pitchFamily="34" charset="-120"/>
+              <a:sym typeface="思源黑体 Medium" panose="020B0600000000000000" pitchFamily="34" charset="-122"/>
+            </a:endParaRPr>
+          </a:p>
+        </p:txBody>
+      </p:sp>
+      <p:sp>
+        <p:nvSpPr>
+          <p:cNvPr id="18" name="矩形 17">
+            <a:extLst>
+              <a:ext uri="{FF2B5EF4-FFF2-40B4-BE49-F238E27FC236}">
+                <a16:creationId xmlns:a16="http://schemas.microsoft.com/office/drawing/2014/main" id="{EFD66509-A14C-428B-AD28-EDF836E7C0C4}"/>
+              </a:ext>
+            </a:extLst>
+          </p:cNvPr>
+          <p:cNvSpPr/>
+          <p:nvPr/>
+        </p:nvSpPr>
+        <p:spPr>
+          <a:xfrm>
+            <a:off x="3563333" y="239998"/>
+            <a:ext cx="5966842" cy="696922"/>
+          </a:xfrm>
+          <a:prstGeom prst="rect">
+            <a:avLst/>
+          </a:prstGeom>
+        </p:spPr>
+        <p:txBody>
+          <a:bodyPr wrap="square">
+            <a:spAutoFit/>
+          </a:bodyPr>
+          <a:lstStyle/>
+          <a:p>
+            <a:pPr>
+              <a:lnSpc>
+                <a:spcPct val="120000"/>
+              </a:lnSpc>
+            </a:pPr>
+            <a:r>
+              <a:rPr lang="zh-TW" altLang="en-US" sz="3600" dirty="0">
+                <a:solidFill>
+                  <a:schemeClr val="accent2">
+                    <a:lumMod val="60000"/>
+                    <a:lumOff val="40000"/>
+                  </a:schemeClr>
+                </a:solidFill>
+                <a:latin typeface="微軟正黑體" panose="020B0604030504040204" pitchFamily="34" charset="-120"/>
+                <a:ea typeface="微軟正黑體" panose="020B0604030504040204" pitchFamily="34" charset="-120"/>
+                <a:sym typeface="思源黑体" panose="020B0500000000000000" pitchFamily="34" charset="-122"/>
+              </a:rPr>
+              <a:t>專案更新（</a:t>
+            </a:r>
+            <a:r>
+              <a:rPr lang="en-US" altLang="zh-TW" sz="3600" dirty="0">
+                <a:solidFill>
+                  <a:schemeClr val="accent2">
+                    <a:lumMod val="60000"/>
+                    <a:lumOff val="40000"/>
+                  </a:schemeClr>
+                </a:solidFill>
+                <a:latin typeface="微軟正黑體" panose="020B0604030504040204" pitchFamily="34" charset="-120"/>
+                <a:ea typeface="微軟正黑體" panose="020B0604030504040204" pitchFamily="34" charset="-120"/>
+                <a:sym typeface="思源黑体" panose="020B0500000000000000" pitchFamily="34" charset="-122"/>
+              </a:rPr>
+              <a:t>2/2</a:t>
+            </a:r>
+            <a:r>
+              <a:rPr lang="zh-TW" altLang="en-US" sz="3600" dirty="0">
+                <a:solidFill>
+                  <a:schemeClr val="accent2">
+                    <a:lumMod val="60000"/>
+                    <a:lumOff val="40000"/>
+                  </a:schemeClr>
+                </a:solidFill>
+                <a:latin typeface="微軟正黑體" panose="020B0604030504040204" pitchFamily="34" charset="-120"/>
+                <a:ea typeface="微軟正黑體" panose="020B0604030504040204" pitchFamily="34" charset="-120"/>
+                <a:sym typeface="思源黑体" panose="020B0500000000000000" pitchFamily="34" charset="-122"/>
+              </a:rPr>
+              <a:t>） </a:t>
+            </a:r>
+            <a:r>
+              <a:rPr lang="en-US" altLang="zh-TW" sz="3600" dirty="0">
+                <a:solidFill>
+                  <a:schemeClr val="accent2">
+                    <a:lumMod val="60000"/>
+                    <a:lumOff val="40000"/>
+                  </a:schemeClr>
+                </a:solidFill>
+                <a:latin typeface="微軟正黑體" panose="020B0604030504040204" pitchFamily="34" charset="-120"/>
+                <a:ea typeface="微軟正黑體" panose="020B0604030504040204" pitchFamily="34" charset="-120"/>
+                <a:sym typeface="思源黑体" panose="020B0500000000000000" pitchFamily="34" charset="-122"/>
+              </a:rPr>
+              <a:t>#</a:t>
+            </a:r>
+            <a:r>
+              <a:rPr lang="zh-TW" altLang="en-US" sz="3600" dirty="0">
+                <a:solidFill>
+                  <a:schemeClr val="accent2">
+                    <a:lumMod val="60000"/>
+                    <a:lumOff val="40000"/>
+                  </a:schemeClr>
+                </a:solidFill>
+                <a:latin typeface="微軟正黑體" panose="020B0604030504040204" pitchFamily="34" charset="-120"/>
+                <a:ea typeface="微軟正黑體" panose="020B0604030504040204" pitchFamily="34" charset="-120"/>
+                <a:sym typeface="思源黑体" panose="020B0500000000000000" pitchFamily="34" charset="-122"/>
+              </a:rPr>
+              <a:t>構想階段</a:t>
+            </a:r>
+            <a:endParaRPr lang="zh-CN" altLang="en-US" sz="3600" dirty="0">
+              <a:latin typeface="微軟正黑體" panose="020B0604030504040204" pitchFamily="34" charset="-120"/>
+              <a:ea typeface="微軟正黑體" panose="020B0604030504040204" pitchFamily="34" charset="-120"/>
+              <a:sym typeface="思源黑体 Medium" panose="020B0600000000000000" pitchFamily="34" charset="-122"/>
+            </a:endParaRPr>
+          </a:p>
+        </p:txBody>
+      </p:sp>
+      <p:sp>
+        <p:nvSpPr>
+          <p:cNvPr id="9" name="文字方塊 8">
+            <a:extLst>
+              <a:ext uri="{FF2B5EF4-FFF2-40B4-BE49-F238E27FC236}">
+                <a16:creationId xmlns:a16="http://schemas.microsoft.com/office/drawing/2014/main" id="{8BF8A5B0-0FE7-4022-8CF6-1B93CEE35E6F}"/>
+              </a:ext>
+            </a:extLst>
+          </p:cNvPr>
+          <p:cNvSpPr txBox="1"/>
+          <p:nvPr/>
+        </p:nvSpPr>
+        <p:spPr>
+          <a:xfrm>
+            <a:off x="1936381" y="1970711"/>
+            <a:ext cx="9281516" cy="707886"/>
+          </a:xfrm>
+          <a:prstGeom prst="rect">
+            <a:avLst/>
+          </a:prstGeom>
+          <a:noFill/>
+        </p:spPr>
+        <p:txBody>
+          <a:bodyPr wrap="square">
+            <a:spAutoFit/>
+          </a:bodyPr>
+          <a:lstStyle/>
+          <a:p>
+            <a:pPr algn="l"/>
+            <a:r>
+              <a:rPr lang="en-US" altLang="zh-TW" sz="2000" b="0" i="0" dirty="0">
+                <a:solidFill>
+                  <a:srgbClr val="FF0088"/>
+                </a:solidFill>
+                <a:effectLst/>
+                <a:highlight>
+                  <a:srgbClr val="000000"/>
+                </a:highlight>
+                <a:latin typeface="Menlo"/>
+              </a:rPr>
+              <a:t>with</a:t>
+            </a:r>
+            <a:r>
+              <a:rPr lang="en-US" altLang="zh-TW" sz="2000" b="0" i="0" dirty="0">
+                <a:solidFill>
+                  <a:srgbClr val="E6E9ED"/>
+                </a:solidFill>
+                <a:effectLst/>
+                <a:highlight>
+                  <a:srgbClr val="000000"/>
+                </a:highlight>
+                <a:latin typeface="Menlo"/>
+              </a:rPr>
+              <a:t> </a:t>
+            </a:r>
+            <a:r>
+              <a:rPr lang="en-US" altLang="zh-TW" sz="2000" b="0" i="0" dirty="0" err="1">
+                <a:solidFill>
+                  <a:srgbClr val="E6E9ED"/>
+                </a:solidFill>
+                <a:effectLst/>
+                <a:highlight>
+                  <a:srgbClr val="000000"/>
+                </a:highlight>
+                <a:latin typeface="Menlo"/>
+              </a:rPr>
+              <a:t>concurrent.futures.</a:t>
+            </a:r>
+            <a:r>
+              <a:rPr lang="en-US" altLang="zh-TW" sz="2000" b="0" i="0" dirty="0" err="1">
+                <a:solidFill>
+                  <a:srgbClr val="4FC1E9"/>
+                </a:solidFill>
+                <a:effectLst/>
+                <a:highlight>
+                  <a:srgbClr val="000000"/>
+                </a:highlight>
+                <a:latin typeface="Menlo"/>
+              </a:rPr>
+              <a:t>ThreadPoolExecutor</a:t>
+            </a:r>
+            <a:r>
+              <a:rPr lang="en-US" altLang="zh-TW" sz="2000" b="0" i="0" dirty="0">
+                <a:solidFill>
+                  <a:srgbClr val="E6E9ED"/>
+                </a:solidFill>
+                <a:effectLst/>
+                <a:highlight>
+                  <a:srgbClr val="000000"/>
+                </a:highlight>
+                <a:latin typeface="Menlo"/>
+              </a:rPr>
+              <a:t>(</a:t>
+            </a:r>
+            <a:r>
+              <a:rPr lang="en-US" altLang="zh-TW" sz="2000" b="0" i="0" dirty="0" err="1">
+                <a:solidFill>
+                  <a:srgbClr val="E6E9ED"/>
+                </a:solidFill>
+                <a:effectLst/>
+                <a:highlight>
+                  <a:srgbClr val="000000"/>
+                </a:highlight>
+                <a:latin typeface="Menlo"/>
+              </a:rPr>
+              <a:t>max_workers</a:t>
+            </a:r>
+            <a:r>
+              <a:rPr lang="en-US" altLang="zh-TW" sz="2000" b="0" i="0" dirty="0">
+                <a:solidFill>
+                  <a:srgbClr val="E6E9ED"/>
+                </a:solidFill>
+                <a:effectLst/>
+                <a:highlight>
+                  <a:srgbClr val="000000"/>
+                </a:highlight>
+                <a:latin typeface="Menlo"/>
+              </a:rPr>
+              <a:t>=</a:t>
+            </a:r>
+            <a:r>
+              <a:rPr lang="zh-TW" altLang="en-US" sz="2000" b="0" i="0" dirty="0">
+                <a:solidFill>
+                  <a:srgbClr val="E6E9ED"/>
+                </a:solidFill>
+                <a:effectLst/>
+                <a:highlight>
+                  <a:srgbClr val="000000"/>
+                </a:highlight>
+                <a:latin typeface="Menlo"/>
+              </a:rPr>
+              <a:t>執行緒數量</a:t>
+            </a:r>
+            <a:r>
+              <a:rPr lang="en-US" altLang="zh-TW" sz="2000" b="0" i="0" dirty="0">
+                <a:solidFill>
+                  <a:srgbClr val="E6E9ED"/>
+                </a:solidFill>
+                <a:effectLst/>
+                <a:highlight>
+                  <a:srgbClr val="000000"/>
+                </a:highlight>
+                <a:latin typeface="Menlo"/>
+              </a:rPr>
+              <a:t>) </a:t>
+            </a:r>
+            <a:r>
+              <a:rPr lang="en-US" altLang="zh-TW" sz="2000" b="0" i="0" dirty="0">
+                <a:solidFill>
+                  <a:srgbClr val="FF0088"/>
+                </a:solidFill>
+                <a:effectLst/>
+                <a:highlight>
+                  <a:srgbClr val="000000"/>
+                </a:highlight>
+                <a:latin typeface="Menlo"/>
+              </a:rPr>
+              <a:t>as</a:t>
+            </a:r>
+            <a:r>
+              <a:rPr lang="en-US" altLang="zh-TW" sz="2000" b="0" i="0" dirty="0">
+                <a:solidFill>
+                  <a:srgbClr val="E6E9ED"/>
+                </a:solidFill>
+                <a:effectLst/>
+                <a:highlight>
+                  <a:srgbClr val="000000"/>
+                </a:highlight>
+                <a:latin typeface="Menlo"/>
+              </a:rPr>
+              <a:t> executor:</a:t>
+            </a:r>
+            <a:endParaRPr lang="en-US" altLang="zh-TW" sz="2000" b="0" i="0" dirty="0">
+              <a:solidFill>
+                <a:srgbClr val="656D78"/>
+              </a:solidFill>
+              <a:effectLst/>
+              <a:highlight>
+                <a:srgbClr val="000000"/>
+              </a:highlight>
+              <a:latin typeface="Menlo"/>
+            </a:endParaRPr>
+          </a:p>
+          <a:p>
+            <a:pPr algn="l"/>
+            <a:r>
+              <a:rPr lang="en-US" altLang="zh-TW" sz="2000" b="0" i="0" dirty="0">
+                <a:solidFill>
+                  <a:srgbClr val="E6E9ED"/>
+                </a:solidFill>
+                <a:effectLst/>
+                <a:highlight>
+                  <a:srgbClr val="000000"/>
+                </a:highlight>
+                <a:latin typeface="Menlo"/>
+              </a:rPr>
+              <a:t>	</a:t>
+            </a:r>
+            <a:r>
+              <a:rPr lang="en-US" altLang="zh-TW" sz="2000" b="0" i="0" dirty="0" err="1">
+                <a:solidFill>
+                  <a:srgbClr val="E6E9ED"/>
+                </a:solidFill>
+                <a:effectLst/>
+                <a:highlight>
+                  <a:srgbClr val="000000"/>
+                </a:highlight>
+                <a:latin typeface="Menlo"/>
+              </a:rPr>
+              <a:t>executor.map</a:t>
+            </a:r>
+            <a:r>
+              <a:rPr lang="en-US" altLang="zh-TW" sz="2000" b="0" i="0" dirty="0">
+                <a:solidFill>
+                  <a:srgbClr val="E6E9ED"/>
+                </a:solidFill>
+                <a:effectLst/>
+                <a:highlight>
+                  <a:srgbClr val="000000"/>
+                </a:highlight>
+                <a:latin typeface="Menlo"/>
+              </a:rPr>
+              <a:t>(</a:t>
+            </a:r>
+            <a:r>
+              <a:rPr lang="en-US" altLang="zh-TW" sz="2000" b="0" i="0" dirty="0" err="1">
+                <a:solidFill>
+                  <a:srgbClr val="E6E9ED"/>
+                </a:solidFill>
+                <a:effectLst/>
+                <a:highlight>
+                  <a:srgbClr val="000000"/>
+                </a:highlight>
+                <a:latin typeface="Menlo"/>
+              </a:rPr>
+              <a:t>Function,Function</a:t>
+            </a:r>
+            <a:r>
+              <a:rPr lang="zh-TW" altLang="en-US" sz="2000" b="0" i="0" dirty="0">
+                <a:solidFill>
+                  <a:srgbClr val="E6E9ED"/>
+                </a:solidFill>
+                <a:effectLst/>
+                <a:highlight>
+                  <a:srgbClr val="000000"/>
+                </a:highlight>
+                <a:latin typeface="Menlo"/>
+              </a:rPr>
+              <a:t>參數</a:t>
+            </a:r>
+            <a:r>
+              <a:rPr lang="en-US" altLang="zh-TW" sz="2000" b="0" i="0" dirty="0">
+                <a:solidFill>
+                  <a:srgbClr val="E6E9ED"/>
+                </a:solidFill>
+                <a:effectLst/>
+                <a:highlight>
+                  <a:srgbClr val="000000"/>
+                </a:highlight>
+                <a:latin typeface="Menlo"/>
+              </a:rPr>
+              <a:t>)</a:t>
+            </a:r>
+            <a:endParaRPr lang="en-US" altLang="zh-TW" sz="2000" b="0" i="0" dirty="0">
+              <a:solidFill>
+                <a:srgbClr val="656D78"/>
+              </a:solidFill>
+              <a:effectLst/>
+              <a:highlight>
+                <a:srgbClr val="000000"/>
+              </a:highlight>
+              <a:latin typeface="Menlo"/>
+            </a:endParaRPr>
+          </a:p>
+        </p:txBody>
+      </p:sp>
+    </p:spTree>
+    <p:custDataLst>
+      <p:tags r:id="rId1"/>
+    </p:custDataLst>
+    <p:extLst>
+      <p:ext uri="{BB962C8B-B14F-4D97-AF65-F5344CB8AC3E}">
+        <p14:creationId xmlns:p14="http://schemas.microsoft.com/office/powerpoint/2010/main" val="3482129018"/>
+      </p:ext>
+    </p:extLst>
+  </p:cSld>
+  <p:clrMapOvr>
+    <a:masterClrMapping/>
+  </p:clrMapOvr>
+  <mc:AlternateContent xmlns:mc="http://schemas.openxmlformats.org/markup-compatibility/2006" xmlns:p14="http://schemas.microsoft.com/office/powerpoint/2010/main">
+    <mc:Choice Requires="p14">
+      <p:transition p14:dur="10"/>
+    </mc:Choice>
+    <mc:Fallback xmlns="">
+      <p:transition/>
+    </mc:Fallback>
+  </mc:AlternateContent>
+</p:sld>
+</file>
+
+<file path=ppt/slides/slide14.xml><?xml version="1.0" encoding="utf-8"?>
 <p:sld xmlns:a="http://schemas.openxmlformats.org/drawingml/2006/main" xmlns:r="http://schemas.openxmlformats.org/officeDocument/2006/relationships" xmlns:p="http://schemas.openxmlformats.org/presentationml/2006/main">
   <p:cSld>
     <p:spTree>
@@ -6049,7 +7578,7 @@
                   <a:ea typeface="微軟正黑體" panose="020B0604030504040204" pitchFamily="34" charset="-120"/>
                   <a:sym typeface="思源黑体" panose="020B0500000000000000" pitchFamily="34" charset="-122"/>
                 </a:rPr>
-                <a:t>GIThub</a:t>
+                <a:t>Github</a:t>
               </a:r>
               <a:endParaRPr lang="zh-CN" altLang="en-US" sz="2800" dirty="0">
                 <a:solidFill>
@@ -11421,6 +12950,18 @@
 <file path=ppt/tags/tag12.xml><?xml version="1.0" encoding="utf-8"?>
 <p:tagLst xmlns:a="http://schemas.openxmlformats.org/drawingml/2006/main" xmlns:r="http://schemas.openxmlformats.org/officeDocument/2006/relationships" xmlns:p="http://schemas.openxmlformats.org/presentationml/2006/main">
   <p:tag name="PA" val="v5.2.4"/>
+</p:tagLst>
+</file>
+
+<file path=ppt/tags/tag13.xml><?xml version="1.0" encoding="utf-8"?>
+<p:tagLst xmlns:a="http://schemas.openxmlformats.org/drawingml/2006/main" xmlns:r="http://schemas.openxmlformats.org/officeDocument/2006/relationships" xmlns:p="http://schemas.openxmlformats.org/presentationml/2006/main">
+  <p:tag name="ISLIDE.DIAGRAM" val="#332179;"/>
+</p:tagLst>
+</file>
+
+<file path=ppt/tags/tag14.xml><?xml version="1.0" encoding="utf-8"?>
+<p:tagLst xmlns:a="http://schemas.openxmlformats.org/drawingml/2006/main" xmlns:r="http://schemas.openxmlformats.org/officeDocument/2006/relationships" xmlns:p="http://schemas.openxmlformats.org/presentationml/2006/main">
+  <p:tag name="ISLIDE.DIAGRAM" val="#332179;"/>
 </p:tagLst>
 </file>
 
